--- a/ppt/IoT05-ArduinoDev.pptx
+++ b/ppt/IoT05-ArduinoDev.pptx
@@ -5,10 +5,10 @@
     <p:sldMasterId id="2147483653" r:id="rId1"/>
   </p:sldMasterIdLst>
   <p:notesMasterIdLst>
-    <p:notesMasterId r:id="rId27"/>
+    <p:notesMasterId r:id="rId30"/>
   </p:notesMasterIdLst>
   <p:handoutMasterIdLst>
-    <p:handoutMasterId r:id="rId28"/>
+    <p:handoutMasterId r:id="rId31"/>
   </p:handoutMasterIdLst>
   <p:sldIdLst>
     <p:sldId id="264" r:id="rId2"/>
@@ -20,22 +20,25 @@
     <p:sldId id="270" r:id="rId8"/>
     <p:sldId id="287" r:id="rId9"/>
     <p:sldId id="273" r:id="rId10"/>
-    <p:sldId id="276" r:id="rId11"/>
-    <p:sldId id="271" r:id="rId12"/>
-    <p:sldId id="272" r:id="rId13"/>
-    <p:sldId id="286" r:id="rId14"/>
-    <p:sldId id="274" r:id="rId15"/>
-    <p:sldId id="290" r:id="rId16"/>
-    <p:sldId id="291" r:id="rId17"/>
-    <p:sldId id="277" r:id="rId18"/>
-    <p:sldId id="278" r:id="rId19"/>
-    <p:sldId id="289" r:id="rId20"/>
-    <p:sldId id="279" r:id="rId21"/>
-    <p:sldId id="280" r:id="rId22"/>
-    <p:sldId id="283" r:id="rId23"/>
-    <p:sldId id="282" r:id="rId24"/>
-    <p:sldId id="284" r:id="rId25"/>
-    <p:sldId id="285" r:id="rId26"/>
+    <p:sldId id="298" r:id="rId11"/>
+    <p:sldId id="276" r:id="rId12"/>
+    <p:sldId id="271" r:id="rId13"/>
+    <p:sldId id="293" r:id="rId14"/>
+    <p:sldId id="292" r:id="rId15"/>
+    <p:sldId id="272" r:id="rId16"/>
+    <p:sldId id="274" r:id="rId17"/>
+    <p:sldId id="286" r:id="rId18"/>
+    <p:sldId id="297" r:id="rId19"/>
+    <p:sldId id="291" r:id="rId20"/>
+    <p:sldId id="277" r:id="rId21"/>
+    <p:sldId id="278" r:id="rId22"/>
+    <p:sldId id="294" r:id="rId23"/>
+    <p:sldId id="289" r:id="rId24"/>
+    <p:sldId id="299" r:id="rId25"/>
+    <p:sldId id="279" r:id="rId26"/>
+    <p:sldId id="295" r:id="rId27"/>
+    <p:sldId id="280" r:id="rId28"/>
+    <p:sldId id="296" r:id="rId29"/>
   </p:sldIdLst>
   <p:sldSz cx="9144000" cy="6858000" type="screen4x3"/>
   <p:notesSz cx="6648450" cy="9782175"/>
@@ -3769,6 +3772,125 @@
       </p:grpSpPr>
       <p:sp>
         <p:nvSpPr>
+          <p:cNvPr id="2" name="Titre 1">
+            <a:extLst>
+              <a:ext uri="{FF2B5EF4-FFF2-40B4-BE49-F238E27FC236}">
+                <a16:creationId xmlns:a16="http://schemas.microsoft.com/office/drawing/2014/main" id="{0B122729-F3D9-75E0-5856-FE2983825D0C}"/>
+              </a:ext>
+            </a:extLst>
+          </p:cNvPr>
+          <p:cNvSpPr>
+            <a:spLocks noGrp="1"/>
+          </p:cNvSpPr>
+          <p:nvPr>
+            <p:ph type="title"/>
+          </p:nvPr>
+        </p:nvSpPr>
+        <p:spPr/>
+        <p:txBody>
+          <a:bodyPr/>
+          <a:lstStyle/>
+          <a:p>
+            <a:r>
+              <a:rPr lang="fr-FR" dirty="0"/>
+              <a:t>Les ports  digitaux</a:t>
+            </a:r>
+          </a:p>
+        </p:txBody>
+      </p:sp>
+      <p:sp>
+        <p:nvSpPr>
+          <p:cNvPr id="3" name="Espace réservé du contenu 2">
+            <a:extLst>
+              <a:ext uri="{FF2B5EF4-FFF2-40B4-BE49-F238E27FC236}">
+                <a16:creationId xmlns:a16="http://schemas.microsoft.com/office/drawing/2014/main" id="{EAAE2E51-B406-8AEB-A832-88512507F019}"/>
+              </a:ext>
+            </a:extLst>
+          </p:cNvPr>
+          <p:cNvSpPr>
+            <a:spLocks noGrp="1"/>
+          </p:cNvSpPr>
+          <p:nvPr>
+            <p:ph idx="1"/>
+          </p:nvPr>
+        </p:nvSpPr>
+        <p:spPr/>
+        <p:txBody>
+          <a:bodyPr/>
+          <a:lstStyle/>
+          <a:p>
+            <a:r>
+              <a:rPr lang="fr-FR" dirty="0"/>
+              <a:t>Renvoient HIGH (1 – 5V) ou LOW (0)</a:t>
+            </a:r>
+          </a:p>
+          <a:p>
+            <a:endParaRPr lang="fr-FR" dirty="0"/>
+          </a:p>
+        </p:txBody>
+      </p:sp>
+      <p:pic>
+        <p:nvPicPr>
+          <p:cNvPr id="5" name="Image 4">
+            <a:extLst>
+              <a:ext uri="{FF2B5EF4-FFF2-40B4-BE49-F238E27FC236}">
+                <a16:creationId xmlns:a16="http://schemas.microsoft.com/office/drawing/2014/main" id="{67281DF2-10E0-198F-479F-E7DF68837FCA}"/>
+              </a:ext>
+            </a:extLst>
+          </p:cNvPr>
+          <p:cNvPicPr>
+            <a:picLocks noChangeAspect="1"/>
+          </p:cNvPicPr>
+          <p:nvPr/>
+        </p:nvPicPr>
+        <p:blipFill>
+          <a:blip r:embed="rId2"/>
+          <a:stretch>
+            <a:fillRect/>
+          </a:stretch>
+        </p:blipFill>
+        <p:spPr>
+          <a:xfrm>
+            <a:off x="2295207" y="1966435"/>
+            <a:ext cx="4553585" cy="4486901"/>
+          </a:xfrm>
+          <a:prstGeom prst="rect">
+            <a:avLst/>
+          </a:prstGeom>
+        </p:spPr>
+      </p:pic>
+    </p:spTree>
+    <p:extLst>
+      <p:ext uri="{BB962C8B-B14F-4D97-AF65-F5344CB8AC3E}">
+        <p14:creationId xmlns:p14="http://schemas.microsoft.com/office/powerpoint/2010/main" val="2183561752"/>
+      </p:ext>
+    </p:extLst>
+  </p:cSld>
+  <p:clrMapOvr>
+    <a:masterClrMapping/>
+  </p:clrMapOvr>
+</p:sld>
+</file>
+
+<file path=ppt/slides/slide11.xml><?xml version="1.0" encoding="utf-8"?>
+<p:sld xmlns:a="http://schemas.openxmlformats.org/drawingml/2006/main" xmlns:r="http://schemas.openxmlformats.org/officeDocument/2006/relationships" xmlns:p="http://schemas.openxmlformats.org/presentationml/2006/main">
+  <p:cSld>
+    <p:spTree>
+      <p:nvGrpSpPr>
+        <p:cNvPr id="1" name=""/>
+        <p:cNvGrpSpPr/>
+        <p:nvPr/>
+      </p:nvGrpSpPr>
+      <p:grpSpPr>
+        <a:xfrm>
+          <a:off x="0" y="0"/>
+          <a:ext cx="0" cy="0"/>
+          <a:chOff x="0" y="0"/>
+          <a:chExt cx="0" cy="0"/>
+        </a:xfrm>
+      </p:grpSpPr>
+      <p:sp>
+        <p:nvSpPr>
           <p:cNvPr id="2" name="Titre 1"/>
           <p:cNvSpPr>
             <a:spLocks noGrp="1"/>
@@ -3873,143 +3995,6 @@
 </p:sld>
 </file>
 
-<file path=ppt/slides/slide11.xml><?xml version="1.0" encoding="utf-8"?>
-<p:sld xmlns:a="http://schemas.openxmlformats.org/drawingml/2006/main" xmlns:r="http://schemas.openxmlformats.org/officeDocument/2006/relationships" xmlns:p="http://schemas.openxmlformats.org/presentationml/2006/main">
-  <p:cSld>
-    <p:spTree>
-      <p:nvGrpSpPr>
-        <p:cNvPr id="1" name=""/>
-        <p:cNvGrpSpPr/>
-        <p:nvPr/>
-      </p:nvGrpSpPr>
-      <p:grpSpPr>
-        <a:xfrm>
-          <a:off x="0" y="0"/>
-          <a:ext cx="0" cy="0"/>
-          <a:chOff x="0" y="0"/>
-          <a:chExt cx="0" cy="0"/>
-        </a:xfrm>
-      </p:grpSpPr>
-      <p:sp>
-        <p:nvSpPr>
-          <p:cNvPr id="2" name="Titre 1"/>
-          <p:cNvSpPr>
-            <a:spLocks noGrp="1"/>
-          </p:cNvSpPr>
-          <p:nvPr>
-            <p:ph type="title"/>
-          </p:nvPr>
-        </p:nvSpPr>
-        <p:spPr/>
-        <p:txBody>
-          <a:bodyPr/>
-          <a:lstStyle/>
-          <a:p>
-            <a:r>
-              <a:rPr lang="fr-FR" dirty="0" err="1"/>
-              <a:t>pinMode</a:t>
-            </a:r>
-            <a:r>
-              <a:rPr lang="fr-FR" dirty="0"/>
-              <a:t>()</a:t>
-            </a:r>
-          </a:p>
-        </p:txBody>
-      </p:sp>
-      <p:sp>
-        <p:nvSpPr>
-          <p:cNvPr id="3" name="Espace réservé du contenu 2"/>
-          <p:cNvSpPr>
-            <a:spLocks noGrp="1"/>
-          </p:cNvSpPr>
-          <p:nvPr>
-            <p:ph idx="1"/>
-          </p:nvPr>
-        </p:nvSpPr>
-        <p:spPr/>
-        <p:txBody>
-          <a:bodyPr/>
-          <a:lstStyle/>
-          <a:p>
-            <a:r>
-              <a:rPr lang="fr-FR" dirty="0" err="1"/>
-              <a:t>pinMode</a:t>
-            </a:r>
-            <a:r>
-              <a:rPr lang="fr-FR" dirty="0"/>
-              <a:t>() permet de définir un port</a:t>
-            </a:r>
-          </a:p>
-          <a:p>
-            <a:pPr lvl="1"/>
-            <a:r>
-              <a:rPr lang="fr-FR" dirty="0" err="1"/>
-              <a:t>pinMode</a:t>
-            </a:r>
-            <a:r>
-              <a:rPr lang="fr-FR" dirty="0"/>
-              <a:t>(8, OUTPUT)</a:t>
-            </a:r>
-          </a:p>
-          <a:p>
-            <a:pPr lvl="1"/>
-            <a:r>
-              <a:rPr lang="fr-FR" dirty="0" err="1"/>
-              <a:t>pinMode</a:t>
-            </a:r>
-            <a:r>
-              <a:rPr lang="fr-FR" dirty="0"/>
-              <a:t>(7, INPUT)</a:t>
-            </a:r>
-          </a:p>
-          <a:p>
-            <a:pPr lvl="1"/>
-            <a:r>
-              <a:rPr lang="fr-FR" dirty="0" err="1"/>
-              <a:t>pinMode</a:t>
-            </a:r>
-            <a:r>
-              <a:rPr lang="fr-FR" dirty="0"/>
-              <a:t>(6, INPUT_PULLUP)</a:t>
-            </a:r>
-          </a:p>
-          <a:p>
-            <a:pPr lvl="1"/>
-            <a:r>
-              <a:rPr lang="fr-FR" dirty="0" err="1"/>
-              <a:t>pinMode</a:t>
-            </a:r>
-            <a:r>
-              <a:rPr lang="fr-FR" dirty="0"/>
-              <a:t>(5, INPUT_PULLDOWN)</a:t>
-            </a:r>
-          </a:p>
-          <a:p>
-            <a:pPr lvl="1"/>
-            <a:r>
-              <a:rPr lang="fr-FR" dirty="0" err="1"/>
-              <a:t>pinMode</a:t>
-            </a:r>
-            <a:r>
-              <a:rPr lang="fr-FR" dirty="0"/>
-              <a:t>(LED_BUILTIN, OUTPUT)</a:t>
-            </a:r>
-          </a:p>
-        </p:txBody>
-      </p:sp>
-    </p:spTree>
-    <p:extLst>
-      <p:ext uri="{BB962C8B-B14F-4D97-AF65-F5344CB8AC3E}">
-        <p14:creationId xmlns:p14="http://schemas.microsoft.com/office/powerpoint/2010/main" val="2948737533"/>
-      </p:ext>
-    </p:extLst>
-  </p:cSld>
-  <p:clrMapOvr>
-    <a:masterClrMapping/>
-  </p:clrMapOvr>
-</p:sld>
-</file>
-
 <file path=ppt/slides/slide12.xml><?xml version="1.0" encoding="utf-8"?>
 <p:sld xmlns:a="http://schemas.openxmlformats.org/drawingml/2006/main" xmlns:r="http://schemas.openxmlformats.org/officeDocument/2006/relationships" xmlns:p="http://schemas.openxmlformats.org/presentationml/2006/main">
   <p:cSld>
@@ -4044,12 +4029,153 @@
           <a:p>
             <a:r>
               <a:rPr lang="fr-FR" dirty="0" err="1"/>
-              <a:t>digitalRead</a:t>
-            </a:r>
-            <a:r>
-              <a:rPr lang="fr-FR" dirty="0"/>
-              <a:t> et </a:t>
-            </a:r>
+              <a:t>pinMode</a:t>
+            </a:r>
+            <a:r>
+              <a:rPr lang="fr-FR" dirty="0"/>
+              <a:t>()</a:t>
+            </a:r>
+          </a:p>
+        </p:txBody>
+      </p:sp>
+      <p:sp>
+        <p:nvSpPr>
+          <p:cNvPr id="3" name="Espace réservé du contenu 2"/>
+          <p:cNvSpPr>
+            <a:spLocks noGrp="1"/>
+          </p:cNvSpPr>
+          <p:nvPr>
+            <p:ph idx="1"/>
+          </p:nvPr>
+        </p:nvSpPr>
+        <p:spPr/>
+        <p:txBody>
+          <a:bodyPr/>
+          <a:lstStyle/>
+          <a:p>
+            <a:r>
+              <a:rPr lang="fr-FR" dirty="0" err="1"/>
+              <a:t>pinMode</a:t>
+            </a:r>
+            <a:r>
+              <a:rPr lang="fr-FR" dirty="0"/>
+              <a:t>() permet de définir un port</a:t>
+            </a:r>
+          </a:p>
+          <a:p>
+            <a:pPr lvl="1"/>
+            <a:r>
+              <a:rPr lang="fr-FR" dirty="0" err="1"/>
+              <a:t>pinMode</a:t>
+            </a:r>
+            <a:r>
+              <a:rPr lang="fr-FR" dirty="0"/>
+              <a:t>(8, OUTPUT)</a:t>
+            </a:r>
+          </a:p>
+          <a:p>
+            <a:pPr lvl="1"/>
+            <a:r>
+              <a:rPr lang="fr-FR" dirty="0" err="1"/>
+              <a:t>pinMode</a:t>
+            </a:r>
+            <a:r>
+              <a:rPr lang="fr-FR" dirty="0"/>
+              <a:t>(7, INPUT)</a:t>
+            </a:r>
+          </a:p>
+          <a:p>
+            <a:pPr lvl="1"/>
+            <a:r>
+              <a:rPr lang="fr-FR" dirty="0" err="1"/>
+              <a:t>pinMode</a:t>
+            </a:r>
+            <a:r>
+              <a:rPr lang="fr-FR" dirty="0"/>
+              <a:t>(6, INPUT_PULLUP)</a:t>
+            </a:r>
+          </a:p>
+          <a:p>
+            <a:pPr lvl="1"/>
+            <a:r>
+              <a:rPr lang="fr-FR" dirty="0" err="1"/>
+              <a:t>pinMode</a:t>
+            </a:r>
+            <a:r>
+              <a:rPr lang="fr-FR" dirty="0"/>
+              <a:t>(5, INPUT_PULLDOWN)</a:t>
+            </a:r>
+          </a:p>
+          <a:p>
+            <a:pPr lvl="1"/>
+            <a:r>
+              <a:rPr lang="fr-FR" dirty="0" err="1"/>
+              <a:t>pinMode</a:t>
+            </a:r>
+            <a:r>
+              <a:rPr lang="fr-FR" dirty="0"/>
+              <a:t>(LED_BUILTIN, OUTPUT)</a:t>
+            </a:r>
+          </a:p>
+        </p:txBody>
+      </p:sp>
+    </p:spTree>
+    <p:extLst>
+      <p:ext uri="{BB962C8B-B14F-4D97-AF65-F5344CB8AC3E}">
+        <p14:creationId xmlns:p14="http://schemas.microsoft.com/office/powerpoint/2010/main" val="2948737533"/>
+      </p:ext>
+    </p:extLst>
+  </p:cSld>
+  <p:clrMapOvr>
+    <a:masterClrMapping/>
+  </p:clrMapOvr>
+</p:sld>
+</file>
+
+<file path=ppt/slides/slide13.xml><?xml version="1.0" encoding="utf-8"?>
+<p:sld xmlns:a="http://schemas.openxmlformats.org/drawingml/2006/main" xmlns:r="http://schemas.openxmlformats.org/officeDocument/2006/relationships" xmlns:p="http://schemas.openxmlformats.org/presentationml/2006/main">
+  <p:cSld>
+    <p:spTree>
+      <p:nvGrpSpPr>
+        <p:cNvPr id="1" name="">
+          <a:extLst>
+            <a:ext uri="{FF2B5EF4-FFF2-40B4-BE49-F238E27FC236}">
+              <a16:creationId xmlns:a16="http://schemas.microsoft.com/office/drawing/2014/main" id="{4AB7A605-0BBA-3F93-5010-91F20E463F6B}"/>
+            </a:ext>
+          </a:extLst>
+        </p:cNvPr>
+        <p:cNvGrpSpPr/>
+        <p:nvPr/>
+      </p:nvGrpSpPr>
+      <p:grpSpPr>
+        <a:xfrm>
+          <a:off x="0" y="0"/>
+          <a:ext cx="0" cy="0"/>
+          <a:chOff x="0" y="0"/>
+          <a:chExt cx="0" cy="0"/>
+        </a:xfrm>
+      </p:grpSpPr>
+      <p:sp>
+        <p:nvSpPr>
+          <p:cNvPr id="2" name="Titre 1">
+            <a:extLst>
+              <a:ext uri="{FF2B5EF4-FFF2-40B4-BE49-F238E27FC236}">
+                <a16:creationId xmlns:a16="http://schemas.microsoft.com/office/drawing/2014/main" id="{A8BD79FB-4CC9-C252-1B12-2C59D463F3F0}"/>
+              </a:ext>
+            </a:extLst>
+          </p:cNvPr>
+          <p:cNvSpPr>
+            <a:spLocks noGrp="1"/>
+          </p:cNvSpPr>
+          <p:nvPr>
+            <p:ph type="title"/>
+          </p:nvPr>
+        </p:nvSpPr>
+        <p:spPr/>
+        <p:txBody>
+          <a:bodyPr/>
+          <a:lstStyle/>
+          <a:p>
             <a:r>
               <a:rPr lang="fr-FR" dirty="0" err="1"/>
               <a:t>digitalWrite</a:t>
@@ -4060,7 +4186,13 @@
       </p:sp>
       <p:sp>
         <p:nvSpPr>
-          <p:cNvPr id="3" name="Espace réservé du contenu 2"/>
+          <p:cNvPr id="3" name="Espace réservé du contenu 2">
+            <a:extLst>
+              <a:ext uri="{FF2B5EF4-FFF2-40B4-BE49-F238E27FC236}">
+                <a16:creationId xmlns:a16="http://schemas.microsoft.com/office/drawing/2014/main" id="{1B89F8B5-8BAD-F76C-0865-C800F6E13F14}"/>
+              </a:ext>
+            </a:extLst>
+          </p:cNvPr>
           <p:cNvSpPr>
             <a:spLocks noGrp="1"/>
           </p:cNvSpPr>
@@ -4136,6 +4268,216 @@
               <a:t>(8, 0)</a:t>
             </a:r>
           </a:p>
+          <a:p>
+            <a:pPr marL="0" indent="0">
+              <a:buNone/>
+            </a:pPr>
+            <a:endParaRPr lang="fr-FR" dirty="0"/>
+          </a:p>
+          <a:p>
+            <a:pPr lvl="1"/>
+            <a:endParaRPr lang="fr-FR" dirty="0"/>
+          </a:p>
+        </p:txBody>
+      </p:sp>
+    </p:spTree>
+    <p:extLst>
+      <p:ext uri="{BB962C8B-B14F-4D97-AF65-F5344CB8AC3E}">
+        <p14:creationId xmlns:p14="http://schemas.microsoft.com/office/powerpoint/2010/main" val="23867717"/>
+      </p:ext>
+    </p:extLst>
+  </p:cSld>
+  <p:clrMapOvr>
+    <a:masterClrMapping/>
+  </p:clrMapOvr>
+</p:sld>
+</file>
+
+<file path=ppt/slides/slide14.xml><?xml version="1.0" encoding="utf-8"?>
+<p:sld xmlns:a="http://schemas.openxmlformats.org/drawingml/2006/main" xmlns:r="http://schemas.openxmlformats.org/officeDocument/2006/relationships" xmlns:p="http://schemas.openxmlformats.org/presentationml/2006/main">
+  <p:cSld>
+    <p:spTree>
+      <p:nvGrpSpPr>
+        <p:cNvPr id="1" name=""/>
+        <p:cNvGrpSpPr/>
+        <p:nvPr/>
+      </p:nvGrpSpPr>
+      <p:grpSpPr>
+        <a:xfrm>
+          <a:off x="0" y="0"/>
+          <a:ext cx="0" cy="0"/>
+          <a:chOff x="0" y="0"/>
+          <a:chExt cx="0" cy="0"/>
+        </a:xfrm>
+      </p:grpSpPr>
+      <p:sp>
+        <p:nvSpPr>
+          <p:cNvPr id="2" name="Titre 1">
+            <a:extLst>
+              <a:ext uri="{FF2B5EF4-FFF2-40B4-BE49-F238E27FC236}">
+                <a16:creationId xmlns:a16="http://schemas.microsoft.com/office/drawing/2014/main" id="{469CF295-EF66-EAC2-E4B6-BCD3CEB8FB1C}"/>
+              </a:ext>
+            </a:extLst>
+          </p:cNvPr>
+          <p:cNvSpPr>
+            <a:spLocks noGrp="1"/>
+          </p:cNvSpPr>
+          <p:nvPr>
+            <p:ph type="title"/>
+          </p:nvPr>
+        </p:nvSpPr>
+        <p:spPr/>
+        <p:txBody>
+          <a:bodyPr/>
+          <a:lstStyle/>
+          <a:p>
+            <a:r>
+              <a:rPr lang="fr-FR" dirty="0" err="1"/>
+              <a:t>Led</a:t>
+            </a:r>
+            <a:endParaRPr lang="fr-FR" dirty="0"/>
+          </a:p>
+        </p:txBody>
+      </p:sp>
+      <p:sp>
+        <p:nvSpPr>
+          <p:cNvPr id="3" name="Espace réservé du contenu 2">
+            <a:extLst>
+              <a:ext uri="{FF2B5EF4-FFF2-40B4-BE49-F238E27FC236}">
+                <a16:creationId xmlns:a16="http://schemas.microsoft.com/office/drawing/2014/main" id="{7CAA9832-B5DE-63AB-EA1E-E7E89BA41443}"/>
+              </a:ext>
+            </a:extLst>
+          </p:cNvPr>
+          <p:cNvSpPr>
+            <a:spLocks noGrp="1"/>
+          </p:cNvSpPr>
+          <p:nvPr>
+            <p:ph idx="1"/>
+          </p:nvPr>
+        </p:nvSpPr>
+        <p:spPr/>
+        <p:txBody>
+          <a:bodyPr/>
+          <a:lstStyle/>
+          <a:p>
+            <a:endParaRPr lang="fr-FR"/>
+          </a:p>
+        </p:txBody>
+      </p:sp>
+      <p:pic>
+        <p:nvPicPr>
+          <p:cNvPr id="2050" name="Picture 2" descr="Blink | Arduino Documentation">
+            <a:extLst>
+              <a:ext uri="{FF2B5EF4-FFF2-40B4-BE49-F238E27FC236}">
+                <a16:creationId xmlns:a16="http://schemas.microsoft.com/office/drawing/2014/main" id="{ADA786A0-6D6E-B08F-4174-1DA5705EC517}"/>
+              </a:ext>
+            </a:extLst>
+          </p:cNvPr>
+          <p:cNvPicPr>
+            <a:picLocks noChangeAspect="1" noChangeArrowheads="1"/>
+          </p:cNvPicPr>
+          <p:nvPr/>
+        </p:nvPicPr>
+        <p:blipFill>
+          <a:blip r:embed="rId2">
+            <a:extLst>
+              <a:ext uri="{28A0092B-C50C-407E-A947-70E740481C1C}">
+                <a14:useLocalDpi xmlns:a14="http://schemas.microsoft.com/office/drawing/2010/main" val="0"/>
+              </a:ext>
+            </a:extLst>
+          </a:blip>
+          <a:srcRect/>
+          <a:stretch>
+            <a:fillRect/>
+          </a:stretch>
+        </p:blipFill>
+        <p:spPr bwMode="auto">
+          <a:xfrm>
+            <a:off x="179512" y="955690"/>
+            <a:ext cx="8964488" cy="5047697"/>
+          </a:xfrm>
+          <a:prstGeom prst="rect">
+            <a:avLst/>
+          </a:prstGeom>
+          <a:noFill/>
+          <a:extLst>
+            <a:ext uri="{909E8E84-426E-40DD-AFC4-6F175D3DCCD1}">
+              <a14:hiddenFill xmlns:a14="http://schemas.microsoft.com/office/drawing/2010/main">
+                <a:solidFill>
+                  <a:srgbClr val="FFFFFF"/>
+                </a:solidFill>
+              </a14:hiddenFill>
+            </a:ext>
+          </a:extLst>
+        </p:spPr>
+      </p:pic>
+    </p:spTree>
+    <p:extLst>
+      <p:ext uri="{BB962C8B-B14F-4D97-AF65-F5344CB8AC3E}">
+        <p14:creationId xmlns:p14="http://schemas.microsoft.com/office/powerpoint/2010/main" val="258778225"/>
+      </p:ext>
+    </p:extLst>
+  </p:cSld>
+  <p:clrMapOvr>
+    <a:masterClrMapping/>
+  </p:clrMapOvr>
+</p:sld>
+</file>
+
+<file path=ppt/slides/slide15.xml><?xml version="1.0" encoding="utf-8"?>
+<p:sld xmlns:a="http://schemas.openxmlformats.org/drawingml/2006/main" xmlns:r="http://schemas.openxmlformats.org/officeDocument/2006/relationships" xmlns:p="http://schemas.openxmlformats.org/presentationml/2006/main">
+  <p:cSld>
+    <p:spTree>
+      <p:nvGrpSpPr>
+        <p:cNvPr id="1" name=""/>
+        <p:cNvGrpSpPr/>
+        <p:nvPr/>
+      </p:nvGrpSpPr>
+      <p:grpSpPr>
+        <a:xfrm>
+          <a:off x="0" y="0"/>
+          <a:ext cx="0" cy="0"/>
+          <a:chOff x="0" y="0"/>
+          <a:chExt cx="0" cy="0"/>
+        </a:xfrm>
+      </p:grpSpPr>
+      <p:sp>
+        <p:nvSpPr>
+          <p:cNvPr id="2" name="Titre 1"/>
+          <p:cNvSpPr>
+            <a:spLocks noGrp="1"/>
+          </p:cNvSpPr>
+          <p:nvPr>
+            <p:ph type="title"/>
+          </p:nvPr>
+        </p:nvSpPr>
+        <p:spPr/>
+        <p:txBody>
+          <a:bodyPr/>
+          <a:lstStyle/>
+          <a:p>
+            <a:r>
+              <a:rPr lang="fr-FR" dirty="0" err="1"/>
+              <a:t>digitalRead</a:t>
+            </a:r>
+            <a:endParaRPr lang="fr-FR" dirty="0"/>
+          </a:p>
+        </p:txBody>
+      </p:sp>
+      <p:sp>
+        <p:nvSpPr>
+          <p:cNvPr id="3" name="Espace réservé du contenu 2"/>
+          <p:cNvSpPr>
+            <a:spLocks noGrp="1"/>
+          </p:cNvSpPr>
+          <p:nvPr>
+            <p:ph idx="1"/>
+          </p:nvPr>
+        </p:nvSpPr>
+        <p:spPr/>
+        <p:txBody>
+          <a:bodyPr/>
+          <a:lstStyle/>
           <a:p>
             <a:r>
               <a:rPr lang="fr-FR" dirty="0" err="1"/>
@@ -4183,7 +4525,128 @@
 </p:sld>
 </file>
 
-<file path=ppt/slides/slide13.xml><?xml version="1.0" encoding="utf-8"?>
+<file path=ppt/slides/slide16.xml><?xml version="1.0" encoding="utf-8"?>
+<p:sld xmlns:a="http://schemas.openxmlformats.org/drawingml/2006/main" xmlns:r="http://schemas.openxmlformats.org/officeDocument/2006/relationships" xmlns:p="http://schemas.openxmlformats.org/presentationml/2006/main">
+  <p:cSld>
+    <p:spTree>
+      <p:nvGrpSpPr>
+        <p:cNvPr id="1" name=""/>
+        <p:cNvGrpSpPr/>
+        <p:nvPr/>
+      </p:nvGrpSpPr>
+      <p:grpSpPr>
+        <a:xfrm>
+          <a:off x="0" y="0"/>
+          <a:ext cx="0" cy="0"/>
+          <a:chOff x="0" y="0"/>
+          <a:chExt cx="0" cy="0"/>
+        </a:xfrm>
+      </p:grpSpPr>
+      <p:sp>
+        <p:nvSpPr>
+          <p:cNvPr id="2" name="Titre 1"/>
+          <p:cNvSpPr>
+            <a:spLocks noGrp="1"/>
+          </p:cNvSpPr>
+          <p:nvPr>
+            <p:ph type="title"/>
+          </p:nvPr>
+        </p:nvSpPr>
+        <p:spPr/>
+        <p:txBody>
+          <a:bodyPr/>
+          <a:lstStyle/>
+          <a:p>
+            <a:r>
+              <a:rPr lang="fr-FR" dirty="0"/>
+              <a:t>Bouton poussoir</a:t>
+            </a:r>
+          </a:p>
+        </p:txBody>
+      </p:sp>
+      <p:sp>
+        <p:nvSpPr>
+          <p:cNvPr id="3" name="Espace réservé du contenu 2"/>
+          <p:cNvSpPr>
+            <a:spLocks noGrp="1"/>
+          </p:cNvSpPr>
+          <p:nvPr>
+            <p:ph idx="1"/>
+          </p:nvPr>
+        </p:nvSpPr>
+        <p:spPr/>
+        <p:txBody>
+          <a:bodyPr/>
+          <a:lstStyle/>
+          <a:p>
+            <a:r>
+              <a:rPr lang="fr-FR" dirty="0"/>
+              <a:t>Permet d'avoir une entrée numérique</a:t>
+            </a:r>
+          </a:p>
+        </p:txBody>
+      </p:sp>
+      <p:pic>
+        <p:nvPicPr>
+          <p:cNvPr id="1028" name="Picture 4" descr="img">
+            <a:extLst>
+              <a:ext uri="{FF2B5EF4-FFF2-40B4-BE49-F238E27FC236}">
+                <a16:creationId xmlns:a16="http://schemas.microsoft.com/office/drawing/2014/main" id="{3A93BC08-7F47-3C8C-F371-39B934A860AF}"/>
+              </a:ext>
+            </a:extLst>
+          </p:cNvPr>
+          <p:cNvPicPr>
+            <a:picLocks noChangeAspect="1" noChangeArrowheads="1"/>
+          </p:cNvPicPr>
+          <p:nvPr/>
+        </p:nvPicPr>
+        <p:blipFill>
+          <a:blip r:embed="rId2" cstate="print">
+            <a:extLst>
+              <a:ext uri="{28A0092B-C50C-407E-A947-70E740481C1C}">
+                <a14:useLocalDpi xmlns:a14="http://schemas.microsoft.com/office/drawing/2010/main" val="0"/>
+              </a:ext>
+            </a:extLst>
+          </a:blip>
+          <a:srcRect/>
+          <a:stretch>
+            <a:fillRect/>
+          </a:stretch>
+        </p:blipFill>
+        <p:spPr bwMode="auto">
+          <a:xfrm>
+            <a:off x="611560" y="1999109"/>
+            <a:ext cx="7776864" cy="4374486"/>
+          </a:xfrm>
+          <a:prstGeom prst="rect">
+            <a:avLst/>
+          </a:prstGeom>
+          <a:noFill/>
+          <a:extLst>
+            <a:ext uri="{909E8E84-426E-40DD-AFC4-6F175D3DCCD1}">
+              <a14:hiddenFill xmlns:a14="http://schemas.microsoft.com/office/drawing/2010/main">
+                <a:solidFill>
+                  <a:srgbClr val="FFFFFF"/>
+                </a:solidFill>
+              </a14:hiddenFill>
+            </a:ext>
+          </a:extLst>
+        </p:spPr>
+      </p:pic>
+    </p:spTree>
+    <p:extLst>
+      <p:ext uri="{BB962C8B-B14F-4D97-AF65-F5344CB8AC3E}">
+        <p14:creationId xmlns:p14="http://schemas.microsoft.com/office/powerpoint/2010/main" val="3557016777"/>
+      </p:ext>
+    </p:extLst>
+  </p:cSld>
+  <p:clrMapOvr>
+    <a:masterClrMapping/>
+  </p:clrMapOvr>
+</p:sld>
+</file>
+
+<file path=ppt/slides/slide17.xml><?xml version="1.0" encoding="utf-8"?>
 <p:sld xmlns:a="http://schemas.openxmlformats.org/drawingml/2006/main" xmlns:r="http://schemas.openxmlformats.org/officeDocument/2006/relationships" xmlns:p="http://schemas.openxmlformats.org/presentationml/2006/main">
   <p:cSld>
     <p:spTree>
@@ -4290,7 +4753,7 @@
 </p:sld>
 </file>
 
-<file path=ppt/slides/slide14.xml><?xml version="1.0" encoding="utf-8"?>
+<file path=ppt/slides/slide18.xml><?xml version="1.0" encoding="utf-8"?>
 <p:sld xmlns:a="http://schemas.openxmlformats.org/drawingml/2006/main" xmlns:r="http://schemas.openxmlformats.org/officeDocument/2006/relationships" xmlns:p="http://schemas.openxmlformats.org/presentationml/2006/main">
   <p:cSld>
     <p:spTree>
@@ -4309,7 +4772,13 @@
       </p:grpSpPr>
       <p:sp>
         <p:nvSpPr>
-          <p:cNvPr id="2" name="Titre 1"/>
+          <p:cNvPr id="2" name="Titre 1">
+            <a:extLst>
+              <a:ext uri="{FF2B5EF4-FFF2-40B4-BE49-F238E27FC236}">
+                <a16:creationId xmlns:a16="http://schemas.microsoft.com/office/drawing/2014/main" id="{D2F31781-D56A-C394-13B3-C54AC6FBC4B5}"/>
+              </a:ext>
+            </a:extLst>
+          </p:cNvPr>
           <p:cNvSpPr>
             <a:spLocks noGrp="1"/>
           </p:cNvSpPr>
@@ -4323,15 +4792,25 @@
           <a:lstStyle/>
           <a:p>
             <a:r>
-              <a:rPr lang="fr-FR" dirty="0"/>
-              <a:t>Bouton poussoir</a:t>
-            </a:r>
-          </a:p>
-        </p:txBody>
-      </p:sp>
-      <p:sp>
-        <p:nvSpPr>
-          <p:cNvPr id="3" name="Espace réservé du contenu 2"/>
+              <a:rPr lang="fr-FR" dirty="0" err="1"/>
+              <a:t>Led</a:t>
+            </a:r>
+            <a:r>
+              <a:rPr lang="fr-FR" dirty="0"/>
+              <a:t> &amp; Bouton</a:t>
+            </a:r>
+          </a:p>
+        </p:txBody>
+      </p:sp>
+      <p:sp>
+        <p:nvSpPr>
+          <p:cNvPr id="3" name="Espace réservé du contenu 2">
+            <a:extLst>
+              <a:ext uri="{FF2B5EF4-FFF2-40B4-BE49-F238E27FC236}">
+                <a16:creationId xmlns:a16="http://schemas.microsoft.com/office/drawing/2014/main" id="{B51DB631-39DE-E8A9-30BD-8A32E190F4F5}"/>
+              </a:ext>
+            </a:extLst>
+          </p:cNvPr>
           <p:cNvSpPr>
             <a:spLocks noGrp="1"/>
           </p:cNvSpPr>
@@ -4344,23 +4823,26 @@
           <a:bodyPr/>
           <a:lstStyle/>
           <a:p>
-            <a:r>
-              <a:rPr lang="fr-FR" dirty="0"/>
-              <a:t>Permet d'avoir une entrée numérique</a:t>
-            </a:r>
+            <a:endParaRPr lang="fr-FR"/>
           </a:p>
         </p:txBody>
       </p:sp>
       <p:pic>
         <p:nvPicPr>
-          <p:cNvPr id="1026" name="Picture 2" descr="https://sdz-upload.s3.amazonaws.com/prod/upload/arduinoBouton10.png"/>
+          <p:cNvPr id="6146" name="Picture 2" descr="Arduino - Turn LED ON and OFF With Button - The Robotics Back-End">
+            <a:extLst>
+              <a:ext uri="{FF2B5EF4-FFF2-40B4-BE49-F238E27FC236}">
+                <a16:creationId xmlns:a16="http://schemas.microsoft.com/office/drawing/2014/main" id="{16E6E45F-900B-A497-44E1-87E791FD644A}"/>
+              </a:ext>
+            </a:extLst>
+          </p:cNvPr>
           <p:cNvPicPr>
             <a:picLocks noChangeAspect="1" noChangeArrowheads="1"/>
           </p:cNvPicPr>
           <p:nvPr/>
         </p:nvPicPr>
         <p:blipFill>
-          <a:blip r:embed="rId2" cstate="print">
+          <a:blip r:embed="rId2">
             <a:extLst>
               <a:ext uri="{28A0092B-C50C-407E-A947-70E740481C1C}">
                 <a14:useLocalDpi xmlns:a14="http://schemas.microsoft.com/office/drawing/2010/main" val="0"/>
@@ -4373,9 +4855,9 @@
           </a:stretch>
         </p:blipFill>
         <p:spPr bwMode="auto">
-          <a:xfrm flipV="1">
-            <a:off x="2051719" y="1885920"/>
-            <a:ext cx="4776465" cy="2062015"/>
+          <a:xfrm>
+            <a:off x="0" y="1174750"/>
+            <a:ext cx="9144000" cy="4508500"/>
           </a:xfrm>
           <a:prstGeom prst="rect">
             <a:avLst/>
@@ -4392,34 +4874,10 @@
           </a:extLst>
         </p:spPr>
       </p:pic>
-      <p:pic>
-        <p:nvPicPr>
-          <p:cNvPr id="4" name="Image 3"/>
-          <p:cNvPicPr>
-            <a:picLocks noChangeAspect="1"/>
-          </p:cNvPicPr>
-          <p:nvPr/>
-        </p:nvPicPr>
-        <p:blipFill>
-          <a:blip r:embed="rId3"/>
-          <a:stretch>
-            <a:fillRect/>
-          </a:stretch>
-        </p:blipFill>
-        <p:spPr>
-          <a:xfrm>
-            <a:off x="2520522" y="3957063"/>
-            <a:ext cx="3838857" cy="2598251"/>
-          </a:xfrm>
-          <a:prstGeom prst="rect">
-            <a:avLst/>
-          </a:prstGeom>
-        </p:spPr>
-      </p:pic>
     </p:spTree>
     <p:extLst>
       <p:ext uri="{BB962C8B-B14F-4D97-AF65-F5344CB8AC3E}">
-        <p14:creationId xmlns:p14="http://schemas.microsoft.com/office/powerpoint/2010/main" val="3557016777"/>
+        <p14:creationId xmlns:p14="http://schemas.microsoft.com/office/powerpoint/2010/main" val="4142887550"/>
       </p:ext>
     </p:extLst>
   </p:cSld>
@@ -4429,7 +4887,7 @@
 </p:sld>
 </file>
 
-<file path=ppt/slides/slide15.xml><?xml version="1.0" encoding="utf-8"?>
+<file path=ppt/slides/slide19.xml><?xml version="1.0" encoding="utf-8"?>
 <p:sld xmlns:a="http://schemas.openxmlformats.org/drawingml/2006/main" xmlns:r="http://schemas.openxmlformats.org/officeDocument/2006/relationships" xmlns:p="http://schemas.openxmlformats.org/presentationml/2006/main">
   <p:cSld>
     <p:spTree>
@@ -4451,7 +4909,7 @@
           <p:cNvPr id="2" name="Titre 1">
             <a:extLst>
               <a:ext uri="{FF2B5EF4-FFF2-40B4-BE49-F238E27FC236}">
-                <a16:creationId xmlns:a16="http://schemas.microsoft.com/office/drawing/2014/main" id="{067C8ADA-915D-65F8-4995-50D4287554DA}"/>
+                <a16:creationId xmlns:a16="http://schemas.microsoft.com/office/drawing/2014/main" id="{DE878817-F317-50C9-A887-FC7421977DED}"/>
               </a:ext>
             </a:extLst>
           </p:cNvPr>
@@ -4469,7 +4927,7 @@
           <a:p>
             <a:r>
               <a:rPr lang="fr-FR" dirty="0"/>
-              <a:t>TODO I/O</a:t>
+              <a:t>Ports Analogiques</a:t>
             </a:r>
           </a:p>
         </p:txBody>
@@ -4479,7 +4937,7 @@
           <p:cNvPr id="3" name="Espace réservé du contenu 2">
             <a:extLst>
               <a:ext uri="{FF2B5EF4-FFF2-40B4-BE49-F238E27FC236}">
-                <a16:creationId xmlns:a16="http://schemas.microsoft.com/office/drawing/2014/main" id="{E25EBCFE-C6A7-1B6F-3218-DB8DE074F2C0}"/>
+                <a16:creationId xmlns:a16="http://schemas.microsoft.com/office/drawing/2014/main" id="{1C3A44BC-6BAB-F234-FC6A-2901CF08578A}"/>
               </a:ext>
             </a:extLst>
           </p:cNvPr>
@@ -4497,15 +4955,98 @@
           <a:p>
             <a:r>
               <a:rPr lang="fr-FR" dirty="0"/>
-              <a:t>https://www.locoduino.org/spip.php?article57</a:t>
-            </a:r>
-          </a:p>
-        </p:txBody>
-      </p:sp>
+              <a:t>l'Arduino UNO possède 5 ports analogiques en input seulement</a:t>
+            </a:r>
+          </a:p>
+          <a:p>
+            <a:pPr lvl="1"/>
+            <a:r>
+              <a:rPr lang="fr-FR" dirty="0"/>
+              <a:t>A0 à A4</a:t>
+            </a:r>
+          </a:p>
+          <a:p>
+            <a:r>
+              <a:rPr lang="fr-FR" dirty="0"/>
+              <a:t>Permet d'avoir une valeur analogique sur 10 bits</a:t>
+            </a:r>
+          </a:p>
+          <a:p>
+            <a:pPr lvl="1"/>
+            <a:r>
+              <a:rPr lang="fr-FR" dirty="0"/>
+              <a:t>Entre 0 et 1024</a:t>
+            </a:r>
+          </a:p>
+          <a:p>
+            <a:pPr lvl="1"/>
+            <a:r>
+              <a:rPr lang="fr-FR" dirty="0"/>
+              <a:t>0 correspond à 0V</a:t>
+            </a:r>
+          </a:p>
+          <a:p>
+            <a:pPr lvl="1"/>
+            <a:r>
+              <a:rPr lang="fr-FR" dirty="0"/>
+              <a:t>1024 correspond à 5V</a:t>
+            </a:r>
+          </a:p>
+          <a:p>
+            <a:r>
+              <a:rPr lang="fr-FR" dirty="0"/>
+              <a:t>Par de port analogique en Output</a:t>
+            </a:r>
+          </a:p>
+          <a:p>
+            <a:pPr lvl="1"/>
+            <a:r>
+              <a:rPr lang="fr-FR" dirty="0"/>
+              <a:t>Remplacé par des PWM</a:t>
+            </a:r>
+          </a:p>
+          <a:p>
+            <a:r>
+              <a:rPr lang="fr-FR" dirty="0"/>
+              <a:t>Peuvent fonctionner en digital</a:t>
+            </a:r>
+          </a:p>
+        </p:txBody>
+      </p:sp>
+      <p:pic>
+        <p:nvPicPr>
+          <p:cNvPr id="5" name="Image 4">
+            <a:extLst>
+              <a:ext uri="{FF2B5EF4-FFF2-40B4-BE49-F238E27FC236}">
+                <a16:creationId xmlns:a16="http://schemas.microsoft.com/office/drawing/2014/main" id="{A234E3F5-4188-2287-1F15-BC371EDC2522}"/>
+              </a:ext>
+            </a:extLst>
+          </p:cNvPr>
+          <p:cNvPicPr>
+            <a:picLocks noChangeAspect="1"/>
+          </p:cNvPicPr>
+          <p:nvPr/>
+        </p:nvPicPr>
+        <p:blipFill>
+          <a:blip r:embed="rId2"/>
+          <a:stretch>
+            <a:fillRect/>
+          </a:stretch>
+        </p:blipFill>
+        <p:spPr>
+          <a:xfrm>
+            <a:off x="6011454" y="3429000"/>
+            <a:ext cx="2934109" cy="2534004"/>
+          </a:xfrm>
+          <a:prstGeom prst="rect">
+            <a:avLst/>
+          </a:prstGeom>
+        </p:spPr>
+      </p:pic>
     </p:spTree>
     <p:extLst>
       <p:ext uri="{BB962C8B-B14F-4D97-AF65-F5344CB8AC3E}">
-        <p14:creationId xmlns:p14="http://schemas.microsoft.com/office/powerpoint/2010/main" val="4130910013"/>
+        <p14:creationId xmlns:p14="http://schemas.microsoft.com/office/powerpoint/2010/main" val="4045125591"/>
       </p:ext>
     </p:extLst>
   </p:cSld>
@@ -4515,7 +5056,7 @@
 </p:sld>
 </file>
 
-<file path=ppt/slides/slide16.xml><?xml version="1.0" encoding="utf-8"?>
+<file path=ppt/slides/slide2.xml><?xml version="1.0" encoding="utf-8"?>
 <p:sld xmlns:a="http://schemas.openxmlformats.org/drawingml/2006/main" xmlns:r="http://schemas.openxmlformats.org/officeDocument/2006/relationships" xmlns:p="http://schemas.openxmlformats.org/presentationml/2006/main">
   <p:cSld>
     <p:spTree>
@@ -4534,13 +5075,7 @@
       </p:grpSpPr>
       <p:sp>
         <p:nvSpPr>
-          <p:cNvPr id="2" name="Titre 1">
-            <a:extLst>
-              <a:ext uri="{FF2B5EF4-FFF2-40B4-BE49-F238E27FC236}">
-                <a16:creationId xmlns:a16="http://schemas.microsoft.com/office/drawing/2014/main" id="{DE878817-F317-50C9-A887-FC7421977DED}"/>
-              </a:ext>
-            </a:extLst>
-          </p:cNvPr>
+          <p:cNvPr id="2" name="Titre 1"/>
           <p:cNvSpPr>
             <a:spLocks noGrp="1"/>
           </p:cNvSpPr>
@@ -4555,20 +5090,14 @@
           <a:p>
             <a:r>
               <a:rPr lang="fr-FR" dirty="0"/>
-              <a:t>Ports Analogiques</a:t>
-            </a:r>
-          </a:p>
-        </p:txBody>
-      </p:sp>
-      <p:sp>
-        <p:nvSpPr>
-          <p:cNvPr id="3" name="Espace réservé du contenu 2">
-            <a:extLst>
-              <a:ext uri="{FF2B5EF4-FFF2-40B4-BE49-F238E27FC236}">
-                <a16:creationId xmlns:a16="http://schemas.microsoft.com/office/drawing/2014/main" id="{1C3A44BC-6BAB-F234-FC6A-2901CF08578A}"/>
-              </a:ext>
-            </a:extLst>
-          </p:cNvPr>
+              <a:t>C++</a:t>
+            </a:r>
+          </a:p>
+        </p:txBody>
+      </p:sp>
+      <p:sp>
+        <p:nvSpPr>
+          <p:cNvPr id="3" name="Espace réservé du contenu 2"/>
           <p:cNvSpPr>
             <a:spLocks noGrp="1"/>
           </p:cNvSpPr>
@@ -4583,62 +5112,59 @@
           <a:p>
             <a:r>
               <a:rPr lang="fr-FR" dirty="0"/>
-              <a:t>l'Arduino UNO possède 5 ports analogiques en input seulement</a:t>
+              <a:t>C++ est un langage de programmation orienté objet</a:t>
+            </a:r>
+          </a:p>
+          <a:p>
+            <a:r>
+              <a:rPr lang="fr-FR" dirty="0"/>
+              <a:t>Arduino est compatible C++ 11 et GCC</a:t>
+            </a:r>
+          </a:p>
+          <a:p>
+            <a:r>
+              <a:rPr lang="fr-FR" dirty="0"/>
+              <a:t>C++ 16 bits</a:t>
             </a:r>
           </a:p>
           <a:p>
             <a:pPr lvl="1"/>
             <a:r>
               <a:rPr lang="fr-FR" dirty="0"/>
-              <a:t>A0 à A4</a:t>
-            </a:r>
-          </a:p>
-          <a:p>
-            <a:r>
-              <a:rPr lang="fr-FR" dirty="0"/>
-              <a:t>Permet d'avoir une valeur analogique sur 10 bits</a:t>
+              <a:t>Convertit en 8 bits</a:t>
             </a:r>
           </a:p>
           <a:p>
             <a:pPr lvl="1"/>
             <a:r>
-              <a:rPr lang="fr-FR" dirty="0"/>
-              <a:t>Entre 0 et 1024</a:t>
+              <a:rPr lang="fr-FR" dirty="0" err="1"/>
+              <a:t>int</a:t>
+            </a:r>
+            <a:r>
+              <a:rPr lang="fr-FR" dirty="0"/>
+              <a:t> € [-32 767 .. 32768]</a:t>
             </a:r>
           </a:p>
           <a:p>
             <a:pPr lvl="1"/>
             <a:r>
-              <a:rPr lang="fr-FR" dirty="0"/>
-              <a:t>0 correspond à 0V</a:t>
-            </a:r>
-          </a:p>
-          <a:p>
-            <a:pPr lvl="1"/>
-            <a:r>
-              <a:rPr lang="fr-FR" dirty="0"/>
-              <a:t>1024 correspond à 5V</a:t>
-            </a:r>
-          </a:p>
-          <a:p>
-            <a:r>
-              <a:rPr lang="fr-FR" dirty="0"/>
-              <a:t>Par de port analogique en Output</a:t>
-            </a:r>
-          </a:p>
-          <a:p>
-            <a:pPr lvl="1"/>
-            <a:r>
-              <a:rPr lang="fr-FR" dirty="0"/>
-              <a:t>Remplacé par des PWM</a:t>
-            </a:r>
+              <a:rPr lang="fr-FR" dirty="0" err="1"/>
+              <a:t>uint</a:t>
+            </a:r>
+            <a:r>
+              <a:rPr lang="fr-FR" dirty="0"/>
+              <a:t> &lt; 65536</a:t>
+            </a:r>
+          </a:p>
+          <a:p>
+            <a:endParaRPr lang="fr-FR" dirty="0"/>
           </a:p>
         </p:txBody>
       </p:sp>
     </p:spTree>
     <p:extLst>
       <p:ext uri="{BB962C8B-B14F-4D97-AF65-F5344CB8AC3E}">
-        <p14:creationId xmlns:p14="http://schemas.microsoft.com/office/powerpoint/2010/main" val="4045125591"/>
+        <p14:creationId xmlns:p14="http://schemas.microsoft.com/office/powerpoint/2010/main" val="351907945"/>
       </p:ext>
     </p:extLst>
   </p:cSld>
@@ -4648,7 +5174,7 @@
 </p:sld>
 </file>
 
-<file path=ppt/slides/slide17.xml><?xml version="1.0" encoding="utf-8"?>
+<file path=ppt/slides/slide20.xml><?xml version="1.0" encoding="utf-8"?>
 <p:sld xmlns:a="http://schemas.openxmlformats.org/drawingml/2006/main" xmlns:r="http://schemas.openxmlformats.org/officeDocument/2006/relationships" xmlns:p="http://schemas.openxmlformats.org/presentationml/2006/main">
   <p:cSld>
     <p:spTree>
@@ -4805,7 +5331,7 @@
 </p:sld>
 </file>
 
-<file path=ppt/slides/slide18.xml><?xml version="1.0" encoding="utf-8"?>
+<file path=ppt/slides/slide21.xml><?xml version="1.0" encoding="utf-8"?>
 <p:sld xmlns:a="http://schemas.openxmlformats.org/drawingml/2006/main" xmlns:r="http://schemas.openxmlformats.org/officeDocument/2006/relationships" xmlns:p="http://schemas.openxmlformats.org/presentationml/2006/main">
   <p:cSld>
     <p:spTree>
@@ -4992,7 +5518,7 @@
 </p:sld>
 </file>
 
-<file path=ppt/slides/slide19.xml><?xml version="1.0" encoding="utf-8"?>
+<file path=ppt/slides/slide22.xml><?xml version="1.0" encoding="utf-8"?>
 <p:sld xmlns:a="http://schemas.openxmlformats.org/drawingml/2006/main" xmlns:r="http://schemas.openxmlformats.org/officeDocument/2006/relationships" xmlns:p="http://schemas.openxmlformats.org/presentationml/2006/main">
   <p:cSld>
     <p:spTree>
@@ -5014,6 +5540,136 @@
           <p:cNvPr id="2" name="Titre 1">
             <a:extLst>
               <a:ext uri="{FF2B5EF4-FFF2-40B4-BE49-F238E27FC236}">
+                <a16:creationId xmlns:a16="http://schemas.microsoft.com/office/drawing/2014/main" id="{10EF172A-E3E4-F0BD-D606-1868A4FAA41C}"/>
+              </a:ext>
+            </a:extLst>
+          </p:cNvPr>
+          <p:cNvSpPr>
+            <a:spLocks noGrp="1"/>
+          </p:cNvSpPr>
+          <p:nvPr>
+            <p:ph type="title"/>
+          </p:nvPr>
+        </p:nvSpPr>
+        <p:spPr/>
+        <p:txBody>
+          <a:bodyPr/>
+          <a:lstStyle/>
+          <a:p>
+            <a:r>
+              <a:rPr lang="fr-FR" dirty="0"/>
+              <a:t>Le capteur de température</a:t>
+            </a:r>
+          </a:p>
+        </p:txBody>
+      </p:sp>
+      <p:sp>
+        <p:nvSpPr>
+          <p:cNvPr id="3" name="Espace réservé du contenu 2">
+            <a:extLst>
+              <a:ext uri="{FF2B5EF4-FFF2-40B4-BE49-F238E27FC236}">
+                <a16:creationId xmlns:a16="http://schemas.microsoft.com/office/drawing/2014/main" id="{A37556C6-A3AA-8F68-7305-53BEB96481E7}"/>
+              </a:ext>
+            </a:extLst>
+          </p:cNvPr>
+          <p:cNvSpPr>
+            <a:spLocks noGrp="1"/>
+          </p:cNvSpPr>
+          <p:nvPr>
+            <p:ph idx="1"/>
+          </p:nvPr>
+        </p:nvSpPr>
+        <p:spPr/>
+        <p:txBody>
+          <a:bodyPr/>
+          <a:lstStyle/>
+          <a:p>
+            <a:endParaRPr lang="fr-FR"/>
+          </a:p>
+        </p:txBody>
+      </p:sp>
+      <p:pic>
+        <p:nvPicPr>
+          <p:cNvPr id="3074" name="Picture 2" descr="KY-013 Analog Temperature Sensor Module - ArduinoModulesInfo">
+            <a:extLst>
+              <a:ext uri="{FF2B5EF4-FFF2-40B4-BE49-F238E27FC236}">
+                <a16:creationId xmlns:a16="http://schemas.microsoft.com/office/drawing/2014/main" id="{16D2D8E1-FEB5-5452-00E2-C43FA3D50E40}"/>
+              </a:ext>
+            </a:extLst>
+          </p:cNvPr>
+          <p:cNvPicPr>
+            <a:picLocks noChangeAspect="1" noChangeArrowheads="1"/>
+          </p:cNvPicPr>
+          <p:nvPr/>
+        </p:nvPicPr>
+        <p:blipFill>
+          <a:blip r:embed="rId2">
+            <a:extLst>
+              <a:ext uri="{28A0092B-C50C-407E-A947-70E740481C1C}">
+                <a14:useLocalDpi xmlns:a14="http://schemas.microsoft.com/office/drawing/2010/main" val="0"/>
+              </a:ext>
+            </a:extLst>
+          </a:blip>
+          <a:srcRect/>
+          <a:stretch>
+            <a:fillRect/>
+          </a:stretch>
+        </p:blipFill>
+        <p:spPr bwMode="auto">
+          <a:xfrm>
+            <a:off x="0" y="955675"/>
+            <a:ext cx="9144000" cy="4946650"/>
+          </a:xfrm>
+          <a:prstGeom prst="rect">
+            <a:avLst/>
+          </a:prstGeom>
+          <a:noFill/>
+          <a:extLst>
+            <a:ext uri="{909E8E84-426E-40DD-AFC4-6F175D3DCCD1}">
+              <a14:hiddenFill xmlns:a14="http://schemas.microsoft.com/office/drawing/2010/main">
+                <a:solidFill>
+                  <a:srgbClr val="FFFFFF"/>
+                </a:solidFill>
+              </a14:hiddenFill>
+            </a:ext>
+          </a:extLst>
+        </p:spPr>
+      </p:pic>
+    </p:spTree>
+    <p:extLst>
+      <p:ext uri="{BB962C8B-B14F-4D97-AF65-F5344CB8AC3E}">
+        <p14:creationId xmlns:p14="http://schemas.microsoft.com/office/powerpoint/2010/main" val="3958057765"/>
+      </p:ext>
+    </p:extLst>
+  </p:cSld>
+  <p:clrMapOvr>
+    <a:masterClrMapping/>
+  </p:clrMapOvr>
+</p:sld>
+</file>
+
+<file path=ppt/slides/slide23.xml><?xml version="1.0" encoding="utf-8"?>
+<p:sld xmlns:a="http://schemas.openxmlformats.org/drawingml/2006/main" xmlns:r="http://schemas.openxmlformats.org/officeDocument/2006/relationships" xmlns:p="http://schemas.openxmlformats.org/presentationml/2006/main">
+  <p:cSld>
+    <p:spTree>
+      <p:nvGrpSpPr>
+        <p:cNvPr id="1" name=""/>
+        <p:cNvGrpSpPr/>
+        <p:nvPr/>
+      </p:nvGrpSpPr>
+      <p:grpSpPr>
+        <a:xfrm>
+          <a:off x="0" y="0"/>
+          <a:ext cx="0" cy="0"/>
+          <a:chOff x="0" y="0"/>
+          <a:chExt cx="0" cy="0"/>
+        </a:xfrm>
+      </p:grpSpPr>
+      <p:sp>
+        <p:nvSpPr>
+          <p:cNvPr id="2" name="Titre 1">
+            <a:extLst>
+              <a:ext uri="{FF2B5EF4-FFF2-40B4-BE49-F238E27FC236}">
                 <a16:creationId xmlns:a16="http://schemas.microsoft.com/office/drawing/2014/main" id="{79A01C0B-168D-13BB-7EE5-53165807D1DF}"/>
               </a:ext>
             </a:extLst>
@@ -5032,7 +5688,7 @@
           <a:p>
             <a:r>
               <a:rPr lang="fr-FR" dirty="0"/>
-              <a:t>WPM</a:t>
+              <a:t>PWM</a:t>
             </a:r>
           </a:p>
         </p:txBody>
@@ -5075,12 +5731,6 @@
             <a:r>
               <a:rPr lang="fr-FR" dirty="0"/>
               <a:t>Permet de reproduire un signal analogique avec du numérique</a:t>
-            </a:r>
-          </a:p>
-          <a:p>
-            <a:r>
-              <a:rPr lang="fr-FR" dirty="0"/>
-              <a:t>Les ports sont préfixés par ~</a:t>
             </a:r>
           </a:p>
           <a:p>
@@ -5185,731 +5835,6 @@
 </p:sld>
 </file>
 
-<file path=ppt/slides/slide2.xml><?xml version="1.0" encoding="utf-8"?>
-<p:sld xmlns:a="http://schemas.openxmlformats.org/drawingml/2006/main" xmlns:r="http://schemas.openxmlformats.org/officeDocument/2006/relationships" xmlns:p="http://schemas.openxmlformats.org/presentationml/2006/main">
-  <p:cSld>
-    <p:spTree>
-      <p:nvGrpSpPr>
-        <p:cNvPr id="1" name=""/>
-        <p:cNvGrpSpPr/>
-        <p:nvPr/>
-      </p:nvGrpSpPr>
-      <p:grpSpPr>
-        <a:xfrm>
-          <a:off x="0" y="0"/>
-          <a:ext cx="0" cy="0"/>
-          <a:chOff x="0" y="0"/>
-          <a:chExt cx="0" cy="0"/>
-        </a:xfrm>
-      </p:grpSpPr>
-      <p:sp>
-        <p:nvSpPr>
-          <p:cNvPr id="2" name="Titre 1"/>
-          <p:cNvSpPr>
-            <a:spLocks noGrp="1"/>
-          </p:cNvSpPr>
-          <p:nvPr>
-            <p:ph type="title"/>
-          </p:nvPr>
-        </p:nvSpPr>
-        <p:spPr/>
-        <p:txBody>
-          <a:bodyPr/>
-          <a:lstStyle/>
-          <a:p>
-            <a:r>
-              <a:rPr lang="fr-FR" dirty="0"/>
-              <a:t>C++</a:t>
-            </a:r>
-          </a:p>
-        </p:txBody>
-      </p:sp>
-      <p:sp>
-        <p:nvSpPr>
-          <p:cNvPr id="3" name="Espace réservé du contenu 2"/>
-          <p:cNvSpPr>
-            <a:spLocks noGrp="1"/>
-          </p:cNvSpPr>
-          <p:nvPr>
-            <p:ph idx="1"/>
-          </p:nvPr>
-        </p:nvSpPr>
-        <p:spPr/>
-        <p:txBody>
-          <a:bodyPr/>
-          <a:lstStyle/>
-          <a:p>
-            <a:r>
-              <a:rPr lang="fr-FR" dirty="0"/>
-              <a:t>C++ est un langage de programmation orienté objet</a:t>
-            </a:r>
-          </a:p>
-          <a:p>
-            <a:r>
-              <a:rPr lang="fr-FR" dirty="0"/>
-              <a:t>Arduino est compatible C++ 11 et GCC</a:t>
-            </a:r>
-          </a:p>
-          <a:p>
-            <a:r>
-              <a:rPr lang="fr-FR" dirty="0"/>
-              <a:t>C++ 16 bits</a:t>
-            </a:r>
-          </a:p>
-          <a:p>
-            <a:pPr lvl="1"/>
-            <a:r>
-              <a:rPr lang="fr-FR" dirty="0"/>
-              <a:t>Convertit en 8 bits</a:t>
-            </a:r>
-          </a:p>
-          <a:p>
-            <a:pPr lvl="1"/>
-            <a:r>
-              <a:rPr lang="fr-FR" dirty="0" err="1"/>
-              <a:t>int</a:t>
-            </a:r>
-            <a:r>
-              <a:rPr lang="fr-FR" dirty="0"/>
-              <a:t> € [-32 767 .. 32768]</a:t>
-            </a:r>
-          </a:p>
-          <a:p>
-            <a:pPr lvl="1"/>
-            <a:r>
-              <a:rPr lang="fr-FR" dirty="0" err="1"/>
-              <a:t>uint</a:t>
-            </a:r>
-            <a:r>
-              <a:rPr lang="fr-FR" dirty="0"/>
-              <a:t> &lt; 65536</a:t>
-            </a:r>
-          </a:p>
-          <a:p>
-            <a:endParaRPr lang="fr-FR" dirty="0"/>
-          </a:p>
-        </p:txBody>
-      </p:sp>
-    </p:spTree>
-    <p:extLst>
-      <p:ext uri="{BB962C8B-B14F-4D97-AF65-F5344CB8AC3E}">
-        <p14:creationId xmlns:p14="http://schemas.microsoft.com/office/powerpoint/2010/main" val="351907945"/>
-      </p:ext>
-    </p:extLst>
-  </p:cSld>
-  <p:clrMapOvr>
-    <a:masterClrMapping/>
-  </p:clrMapOvr>
-</p:sld>
-</file>
-
-<file path=ppt/slides/slide20.xml><?xml version="1.0" encoding="utf-8"?>
-<p:sld xmlns:a="http://schemas.openxmlformats.org/drawingml/2006/main" xmlns:r="http://schemas.openxmlformats.org/officeDocument/2006/relationships" xmlns:p="http://schemas.openxmlformats.org/presentationml/2006/main">
-  <p:cSld>
-    <p:spTree>
-      <p:nvGrpSpPr>
-        <p:cNvPr id="1" name=""/>
-        <p:cNvGrpSpPr/>
-        <p:nvPr/>
-      </p:nvGrpSpPr>
-      <p:grpSpPr>
-        <a:xfrm>
-          <a:off x="0" y="0"/>
-          <a:ext cx="0" cy="0"/>
-          <a:chOff x="0" y="0"/>
-          <a:chExt cx="0" cy="0"/>
-        </a:xfrm>
-      </p:grpSpPr>
-      <p:sp>
-        <p:nvSpPr>
-          <p:cNvPr id="2" name="Titre 1"/>
-          <p:cNvSpPr>
-            <a:spLocks noGrp="1"/>
-          </p:cNvSpPr>
-          <p:nvPr>
-            <p:ph type="title"/>
-          </p:nvPr>
-        </p:nvSpPr>
-        <p:spPr/>
-        <p:txBody>
-          <a:bodyPr/>
-          <a:lstStyle/>
-          <a:p>
-            <a:r>
-              <a:rPr lang="fr-FR" dirty="0"/>
-              <a:t>Fading sur </a:t>
-            </a:r>
-            <a:r>
-              <a:rPr lang="fr-FR" dirty="0" err="1"/>
-              <a:t>Led</a:t>
-            </a:r>
-            <a:endParaRPr lang="fr-FR" dirty="0"/>
-          </a:p>
-        </p:txBody>
-      </p:sp>
-      <p:sp>
-        <p:nvSpPr>
-          <p:cNvPr id="3" name="Espace réservé du contenu 2"/>
-          <p:cNvSpPr>
-            <a:spLocks noGrp="1"/>
-          </p:cNvSpPr>
-          <p:nvPr>
-            <p:ph idx="1"/>
-          </p:nvPr>
-        </p:nvSpPr>
-        <p:spPr/>
-        <p:txBody>
-          <a:bodyPr/>
-          <a:lstStyle/>
-          <a:p>
-            <a:r>
-              <a:rPr lang="fr-FR" dirty="0"/>
-              <a:t>Les LED peuvent être branchées sur une sortie PWM</a:t>
-            </a:r>
-          </a:p>
-          <a:p>
-            <a:pPr lvl="1"/>
-            <a:r>
-              <a:rPr lang="fr-FR" dirty="0"/>
-              <a:t>Une sortie à 2.5V permet d'avoir une luminosité à 50%</a:t>
-            </a:r>
-          </a:p>
-          <a:p>
-            <a:r>
-              <a:rPr lang="fr-FR" dirty="0"/>
-              <a:t>Exemple</a:t>
-            </a:r>
-          </a:p>
-          <a:p>
-            <a:pPr lvl="1"/>
-            <a:r>
-              <a:rPr lang="en-US" dirty="0" err="1"/>
-              <a:t>val</a:t>
-            </a:r>
-            <a:r>
-              <a:rPr lang="en-US" dirty="0"/>
-              <a:t> = </a:t>
-            </a:r>
-            <a:r>
-              <a:rPr lang="en-US" dirty="0" err="1"/>
-              <a:t>analogRead</a:t>
-            </a:r>
-            <a:r>
-              <a:rPr lang="en-US" dirty="0"/>
-              <a:t>(</a:t>
-            </a:r>
-            <a:r>
-              <a:rPr lang="en-US" dirty="0" err="1"/>
-              <a:t>analogPin</a:t>
-            </a:r>
-            <a:r>
-              <a:rPr lang="en-US" dirty="0"/>
-              <a:t>);</a:t>
-            </a:r>
-          </a:p>
-          <a:p>
-            <a:pPr lvl="1"/>
-            <a:r>
-              <a:rPr lang="en-US" dirty="0" err="1"/>
-              <a:t>analogWrite</a:t>
-            </a:r>
-            <a:r>
-              <a:rPr lang="en-US" dirty="0"/>
-              <a:t>(</a:t>
-            </a:r>
-            <a:r>
-              <a:rPr lang="en-US" dirty="0" err="1"/>
-              <a:t>ledPin</a:t>
-            </a:r>
-            <a:r>
-              <a:rPr lang="en-US" dirty="0"/>
-              <a:t>, </a:t>
-            </a:r>
-            <a:r>
-              <a:rPr lang="en-US" dirty="0" err="1"/>
-              <a:t>val</a:t>
-            </a:r>
-            <a:r>
-              <a:rPr lang="en-US" dirty="0"/>
-              <a:t> );</a:t>
-            </a:r>
-          </a:p>
-          <a:p>
-            <a:pPr lvl="1"/>
-            <a:r>
-              <a:rPr lang="en-US" dirty="0" err="1"/>
-              <a:t>Permet</a:t>
-            </a:r>
-            <a:r>
-              <a:rPr lang="en-US" dirty="0"/>
-              <a:t> </a:t>
-            </a:r>
-            <a:r>
-              <a:rPr lang="en-US" dirty="0" err="1"/>
-              <a:t>d'adapter</a:t>
-            </a:r>
-            <a:r>
-              <a:rPr lang="en-US" dirty="0"/>
-              <a:t> </a:t>
-            </a:r>
-            <a:r>
-              <a:rPr lang="en-US" dirty="0" err="1"/>
-              <a:t>l'intensité</a:t>
-            </a:r>
-            <a:r>
-              <a:rPr lang="en-US" dirty="0"/>
-              <a:t> de la LED à un </a:t>
-            </a:r>
-            <a:r>
-              <a:rPr lang="en-US" dirty="0" err="1"/>
-              <a:t>potentiomètre</a:t>
-            </a:r>
-            <a:endParaRPr lang="fr-FR" dirty="0"/>
-          </a:p>
-        </p:txBody>
-      </p:sp>
-    </p:spTree>
-    <p:extLst>
-      <p:ext uri="{BB962C8B-B14F-4D97-AF65-F5344CB8AC3E}">
-        <p14:creationId xmlns:p14="http://schemas.microsoft.com/office/powerpoint/2010/main" val="1941932961"/>
-      </p:ext>
-    </p:extLst>
-  </p:cSld>
-  <p:clrMapOvr>
-    <a:masterClrMapping/>
-  </p:clrMapOvr>
-</p:sld>
-</file>
-
-<file path=ppt/slides/slide21.xml><?xml version="1.0" encoding="utf-8"?>
-<p:sld xmlns:a="http://schemas.openxmlformats.org/drawingml/2006/main" xmlns:r="http://schemas.openxmlformats.org/officeDocument/2006/relationships" xmlns:p="http://schemas.openxmlformats.org/presentationml/2006/main">
-  <p:cSld>
-    <p:spTree>
-      <p:nvGrpSpPr>
-        <p:cNvPr id="1" name=""/>
-        <p:cNvGrpSpPr/>
-        <p:nvPr/>
-      </p:nvGrpSpPr>
-      <p:grpSpPr>
-        <a:xfrm>
-          <a:off x="0" y="0"/>
-          <a:ext cx="0" cy="0"/>
-          <a:chOff x="0" y="0"/>
-          <a:chExt cx="0" cy="0"/>
-        </a:xfrm>
-      </p:grpSpPr>
-      <p:sp>
-        <p:nvSpPr>
-          <p:cNvPr id="2" name="Titre 1"/>
-          <p:cNvSpPr>
-            <a:spLocks noGrp="1"/>
-          </p:cNvSpPr>
-          <p:nvPr>
-            <p:ph type="title"/>
-          </p:nvPr>
-        </p:nvSpPr>
-        <p:spPr/>
-        <p:txBody>
-          <a:bodyPr/>
-          <a:lstStyle/>
-          <a:p>
-            <a:r>
-              <a:rPr lang="fr-FR" dirty="0"/>
-              <a:t>Boucle for</a:t>
-            </a:r>
-          </a:p>
-        </p:txBody>
-      </p:sp>
-      <p:sp>
-        <p:nvSpPr>
-          <p:cNvPr id="3" name="Espace réservé du contenu 2"/>
-          <p:cNvSpPr>
-            <a:spLocks noGrp="1"/>
-          </p:cNvSpPr>
-          <p:nvPr>
-            <p:ph idx="1"/>
-          </p:nvPr>
-        </p:nvSpPr>
-        <p:spPr/>
-        <p:txBody>
-          <a:bodyPr/>
-          <a:lstStyle/>
-          <a:p>
-            <a:r>
-              <a:rPr lang="fr-FR" dirty="0"/>
-              <a:t>La boucle for permet de boucler sur des valeurs</a:t>
-            </a:r>
-          </a:p>
-          <a:p>
-            <a:r>
-              <a:rPr lang="fr-FR" dirty="0"/>
-              <a:t>Exemple le fading </a:t>
-            </a:r>
-            <a:r>
-              <a:rPr lang="fr-FR" dirty="0" err="1"/>
-              <a:t>led</a:t>
-            </a:r>
-            <a:endParaRPr lang="fr-FR" dirty="0"/>
-          </a:p>
-          <a:p>
-            <a:pPr lvl="1"/>
-            <a:r>
-              <a:rPr lang="fr-FR" dirty="0" err="1"/>
-              <a:t>void</a:t>
-            </a:r>
-            <a:r>
-              <a:rPr lang="fr-FR" dirty="0"/>
-              <a:t> </a:t>
-            </a:r>
-            <a:r>
-              <a:rPr lang="fr-FR" dirty="0" err="1"/>
-              <a:t>loop</a:t>
-            </a:r>
-            <a:r>
-              <a:rPr lang="fr-FR" dirty="0"/>
-              <a:t>() {</a:t>
-            </a:r>
-            <a:br>
-              <a:rPr lang="fr-FR" dirty="0"/>
-            </a:br>
-            <a:r>
-              <a:rPr lang="fr-FR" dirty="0"/>
-              <a:t>	for(i = 0; i &lt; 255; i++) {</a:t>
-            </a:r>
-            <a:br>
-              <a:rPr lang="fr-FR" dirty="0"/>
-            </a:br>
-            <a:r>
-              <a:rPr lang="fr-FR" dirty="0"/>
-              <a:t>  		</a:t>
-            </a:r>
-            <a:r>
-              <a:rPr lang="fr-FR" dirty="0" err="1"/>
-              <a:t>analogWrite</a:t>
-            </a:r>
-            <a:r>
-              <a:rPr lang="fr-FR" dirty="0"/>
-              <a:t>(LED, i);</a:t>
-            </a:r>
-            <a:br>
-              <a:rPr lang="fr-FR" dirty="0"/>
-            </a:br>
-            <a:r>
-              <a:rPr lang="fr-FR" dirty="0"/>
-              <a:t>  		</a:t>
-            </a:r>
-            <a:r>
-              <a:rPr lang="fr-FR" dirty="0" err="1"/>
-              <a:t>delay</a:t>
-            </a:r>
-            <a:r>
-              <a:rPr lang="fr-FR" dirty="0"/>
-              <a:t>(10);</a:t>
-            </a:r>
-            <a:br>
-              <a:rPr lang="fr-FR" dirty="0"/>
-            </a:br>
-            <a:r>
-              <a:rPr lang="fr-FR" dirty="0"/>
-              <a:t>	}</a:t>
-            </a:r>
-            <a:br>
-              <a:rPr lang="fr-FR" dirty="0"/>
-            </a:br>
-            <a:r>
-              <a:rPr lang="fr-FR" dirty="0"/>
-              <a:t>	for(i = 255; i &gt; 0; i--) {</a:t>
-            </a:r>
-            <a:br>
-              <a:rPr lang="fr-FR" dirty="0"/>
-            </a:br>
-            <a:r>
-              <a:rPr lang="fr-FR" dirty="0"/>
-              <a:t>  		</a:t>
-            </a:r>
-            <a:r>
-              <a:rPr lang="fr-FR" dirty="0" err="1"/>
-              <a:t>analogWrite</a:t>
-            </a:r>
-            <a:r>
-              <a:rPr lang="fr-FR" dirty="0"/>
-              <a:t>(LED, i);</a:t>
-            </a:r>
-            <a:br>
-              <a:rPr lang="fr-FR" dirty="0"/>
-            </a:br>
-            <a:r>
-              <a:rPr lang="fr-FR" dirty="0"/>
-              <a:t>  		</a:t>
-            </a:r>
-            <a:r>
-              <a:rPr lang="fr-FR" dirty="0" err="1"/>
-              <a:t>delay</a:t>
-            </a:r>
-            <a:r>
-              <a:rPr lang="fr-FR" dirty="0"/>
-              <a:t>(10);</a:t>
-            </a:r>
-            <a:br>
-              <a:rPr lang="fr-FR" dirty="0"/>
-            </a:br>
-            <a:r>
-              <a:rPr lang="fr-FR" dirty="0"/>
-              <a:t>	}</a:t>
-            </a:r>
-            <a:br>
-              <a:rPr lang="fr-FR" dirty="0"/>
-            </a:br>
-            <a:r>
-              <a:rPr lang="fr-FR" dirty="0"/>
-              <a:t>}</a:t>
-            </a:r>
-          </a:p>
-        </p:txBody>
-      </p:sp>
-    </p:spTree>
-    <p:extLst>
-      <p:ext uri="{BB962C8B-B14F-4D97-AF65-F5344CB8AC3E}">
-        <p14:creationId xmlns:p14="http://schemas.microsoft.com/office/powerpoint/2010/main" val="3376649889"/>
-      </p:ext>
-    </p:extLst>
-  </p:cSld>
-  <p:clrMapOvr>
-    <a:masterClrMapping/>
-  </p:clrMapOvr>
-</p:sld>
-</file>
-
-<file path=ppt/slides/slide22.xml><?xml version="1.0" encoding="utf-8"?>
-<p:sld xmlns:a="http://schemas.openxmlformats.org/drawingml/2006/main" xmlns:r="http://schemas.openxmlformats.org/officeDocument/2006/relationships" xmlns:p="http://schemas.openxmlformats.org/presentationml/2006/main">
-  <p:cSld>
-    <p:spTree>
-      <p:nvGrpSpPr>
-        <p:cNvPr id="1" name=""/>
-        <p:cNvGrpSpPr/>
-        <p:nvPr/>
-      </p:nvGrpSpPr>
-      <p:grpSpPr>
-        <a:xfrm>
-          <a:off x="0" y="0"/>
-          <a:ext cx="0" cy="0"/>
-          <a:chOff x="0" y="0"/>
-          <a:chExt cx="0" cy="0"/>
-        </a:xfrm>
-      </p:grpSpPr>
-      <p:sp>
-        <p:nvSpPr>
-          <p:cNvPr id="2" name="Titre 1"/>
-          <p:cNvSpPr>
-            <a:spLocks noGrp="1"/>
-          </p:cNvSpPr>
-          <p:nvPr>
-            <p:ph type="title"/>
-          </p:nvPr>
-        </p:nvSpPr>
-        <p:spPr/>
-        <p:txBody>
-          <a:bodyPr/>
-          <a:lstStyle/>
-          <a:p>
-            <a:r>
-              <a:rPr lang="fr-FR" dirty="0"/>
-              <a:t>Bus I2C</a:t>
-            </a:r>
-          </a:p>
-        </p:txBody>
-      </p:sp>
-      <p:sp>
-        <p:nvSpPr>
-          <p:cNvPr id="3" name="Espace réservé du contenu 2"/>
-          <p:cNvSpPr>
-            <a:spLocks noGrp="1"/>
-          </p:cNvSpPr>
-          <p:nvPr>
-            <p:ph idx="1"/>
-          </p:nvPr>
-        </p:nvSpPr>
-        <p:spPr/>
-        <p:txBody>
-          <a:bodyPr/>
-          <a:lstStyle/>
-          <a:p>
-            <a:r>
-              <a:rPr lang="fr-FR" dirty="0"/>
-              <a:t>I2C (Inter-Integrated Circuit) est un bus informatique qui a émergé de la « guerre des standards » lancée par les acteurs du monde électronique</a:t>
-            </a:r>
-          </a:p>
-          <a:p>
-            <a:pPr lvl="1"/>
-            <a:r>
-              <a:rPr lang="fr-FR" dirty="0"/>
-              <a:t>Conçu par Philips pour les applications de domotique et d’électronique domestique, il permet de relier facilement un microprocesseur et différents circuits, notamment ceux d’un téléviseur moderne : récepteur de la télécommande, réglages des amplificateurs basses fréquences, tuner, horloge, …</a:t>
-            </a:r>
-          </a:p>
-          <a:p>
-            <a:endParaRPr lang="fr-FR" dirty="0"/>
-          </a:p>
-        </p:txBody>
-      </p:sp>
-    </p:spTree>
-    <p:extLst>
-      <p:ext uri="{BB962C8B-B14F-4D97-AF65-F5344CB8AC3E}">
-        <p14:creationId xmlns:p14="http://schemas.microsoft.com/office/powerpoint/2010/main" val="1093932517"/>
-      </p:ext>
-    </p:extLst>
-  </p:cSld>
-  <p:clrMapOvr>
-    <a:masterClrMapping/>
-  </p:clrMapOvr>
-</p:sld>
-</file>
-
-<file path=ppt/slides/slide23.xml><?xml version="1.0" encoding="utf-8"?>
-<p:sld xmlns:a="http://schemas.openxmlformats.org/drawingml/2006/main" xmlns:r="http://schemas.openxmlformats.org/officeDocument/2006/relationships" xmlns:p="http://schemas.openxmlformats.org/presentationml/2006/main">
-  <p:cSld>
-    <p:spTree>
-      <p:nvGrpSpPr>
-        <p:cNvPr id="1" name=""/>
-        <p:cNvGrpSpPr/>
-        <p:nvPr/>
-      </p:nvGrpSpPr>
-      <p:grpSpPr>
-        <a:xfrm>
-          <a:off x="0" y="0"/>
-          <a:ext cx="0" cy="0"/>
-          <a:chOff x="0" y="0"/>
-          <a:chExt cx="0" cy="0"/>
-        </a:xfrm>
-      </p:grpSpPr>
-      <p:sp>
-        <p:nvSpPr>
-          <p:cNvPr id="2" name="Titre 1"/>
-          <p:cNvSpPr>
-            <a:spLocks noGrp="1"/>
-          </p:cNvSpPr>
-          <p:nvPr>
-            <p:ph type="title"/>
-          </p:nvPr>
-        </p:nvSpPr>
-        <p:spPr/>
-        <p:txBody>
-          <a:bodyPr/>
-          <a:lstStyle/>
-          <a:p>
-            <a:r>
-              <a:rPr lang="fr-FR" dirty="0"/>
-              <a:t>Librairie</a:t>
-            </a:r>
-          </a:p>
-        </p:txBody>
-      </p:sp>
-      <p:sp>
-        <p:nvSpPr>
-          <p:cNvPr id="3" name="Espace réservé du contenu 2"/>
-          <p:cNvSpPr>
-            <a:spLocks noGrp="1"/>
-          </p:cNvSpPr>
-          <p:nvPr>
-            <p:ph idx="1"/>
-          </p:nvPr>
-        </p:nvSpPr>
-        <p:spPr/>
-        <p:txBody>
-          <a:bodyPr/>
-          <a:lstStyle/>
-          <a:p>
-            <a:r>
-              <a:rPr lang="fr-FR" dirty="0"/>
-              <a:t>Les librairies </a:t>
-            </a:r>
-            <a:r>
-              <a:rPr lang="fr-FR" dirty="0" err="1"/>
-              <a:t>Arduino</a:t>
-            </a:r>
-            <a:r>
-              <a:rPr lang="fr-FR" dirty="0"/>
-              <a:t> permettent d'avoir des extension C++ par des librairies</a:t>
-            </a:r>
-          </a:p>
-          <a:p>
-            <a:pPr lvl="1"/>
-            <a:r>
-              <a:rPr lang="fr-FR" dirty="0"/>
-              <a:t>Se télécharge via </a:t>
-            </a:r>
-            <a:r>
-              <a:rPr lang="fr-FR" dirty="0" err="1"/>
-              <a:t>Arduino</a:t>
-            </a:r>
-            <a:r>
-              <a:rPr lang="fr-FR" dirty="0"/>
-              <a:t> Studio</a:t>
-            </a:r>
-          </a:p>
-          <a:p>
-            <a:pPr lvl="1"/>
-            <a:r>
-              <a:rPr lang="fr-FR" dirty="0"/>
-              <a:t>Ou se </a:t>
-            </a:r>
-            <a:r>
-              <a:rPr lang="fr-FR" dirty="0" err="1"/>
-              <a:t>dezippe</a:t>
-            </a:r>
-            <a:r>
-              <a:rPr lang="fr-FR" dirty="0"/>
-              <a:t> dans le répertoire </a:t>
-            </a:r>
-            <a:r>
-              <a:rPr lang="fr-FR" dirty="0" err="1"/>
-              <a:t>libraries</a:t>
-            </a:r>
-            <a:endParaRPr lang="fr-FR" dirty="0"/>
-          </a:p>
-          <a:p>
-            <a:pPr lvl="1"/>
-            <a:r>
-              <a:rPr lang="fr-FR" dirty="0"/>
-              <a:t>import obligatoire</a:t>
-            </a:r>
-          </a:p>
-          <a:p>
-            <a:r>
-              <a:rPr lang="fr-FR" dirty="0"/>
-              <a:t>Gestion de l'I2C</a:t>
-            </a:r>
-          </a:p>
-          <a:p>
-            <a:pPr lvl="1"/>
-            <a:r>
-              <a:rPr lang="fr-FR" dirty="0"/>
-              <a:t>Librairie </a:t>
-            </a:r>
-            <a:r>
-              <a:rPr lang="fr-FR" dirty="0" err="1"/>
-              <a:t>Wire</a:t>
-            </a:r>
-            <a:endParaRPr lang="fr-FR" dirty="0"/>
-          </a:p>
-          <a:p>
-            <a:pPr lvl="1"/>
-            <a:endParaRPr lang="fr-FR" dirty="0"/>
-          </a:p>
-        </p:txBody>
-      </p:sp>
-    </p:spTree>
-    <p:extLst>
-      <p:ext uri="{BB962C8B-B14F-4D97-AF65-F5344CB8AC3E}">
-        <p14:creationId xmlns:p14="http://schemas.microsoft.com/office/powerpoint/2010/main" val="3558708397"/>
-      </p:ext>
-    </p:extLst>
-  </p:cSld>
-  <p:clrMapOvr>
-    <a:masterClrMapping/>
-  </p:clrMapOvr>
-</p:sld>
-</file>
-
 <file path=ppt/slides/slide24.xml><?xml version="1.0" encoding="utf-8"?>
 <p:sld xmlns:a="http://schemas.openxmlformats.org/drawingml/2006/main" xmlns:r="http://schemas.openxmlformats.org/officeDocument/2006/relationships" xmlns:p="http://schemas.openxmlformats.org/presentationml/2006/main">
   <p:cSld>
@@ -5929,7 +5854,13 @@
       </p:grpSpPr>
       <p:sp>
         <p:nvSpPr>
-          <p:cNvPr id="2" name="Titre 1"/>
+          <p:cNvPr id="2" name="Titre 1">
+            <a:extLst>
+              <a:ext uri="{FF2B5EF4-FFF2-40B4-BE49-F238E27FC236}">
+                <a16:creationId xmlns:a16="http://schemas.microsoft.com/office/drawing/2014/main" id="{24FE9E8C-2DFC-9B89-721A-BFF44012DD75}"/>
+              </a:ext>
+            </a:extLst>
+          </p:cNvPr>
           <p:cNvSpPr>
             <a:spLocks noGrp="1"/>
           </p:cNvSpPr>
@@ -5944,14 +5875,20 @@
           <a:p>
             <a:r>
               <a:rPr lang="fr-FR" dirty="0"/>
-              <a:t>Capteur de pression I2C</a:t>
-            </a:r>
-          </a:p>
-        </p:txBody>
-      </p:sp>
-      <p:sp>
-        <p:nvSpPr>
-          <p:cNvPr id="3" name="Espace réservé du contenu 2"/>
+              <a:t>PWM</a:t>
+            </a:r>
+          </a:p>
+        </p:txBody>
+      </p:sp>
+      <p:sp>
+        <p:nvSpPr>
+          <p:cNvPr id="3" name="Espace réservé du contenu 2">
+            <a:extLst>
+              <a:ext uri="{FF2B5EF4-FFF2-40B4-BE49-F238E27FC236}">
+                <a16:creationId xmlns:a16="http://schemas.microsoft.com/office/drawing/2014/main" id="{0467041F-B578-2AC3-5678-631C0BBEE56E}"/>
+              </a:ext>
+            </a:extLst>
+          </p:cNvPr>
           <p:cNvSpPr>
             <a:spLocks noGrp="1"/>
           </p:cNvSpPr>
@@ -5962,7 +5899,7 @@
         <p:spPr>
           <a:xfrm>
             <a:off x="179513" y="1412776"/>
-            <a:ext cx="4176464" cy="5040560"/>
+            <a:ext cx="4968552" cy="5040560"/>
           </a:xfrm>
         </p:spPr>
         <p:txBody>
@@ -5971,18 +5908,25 @@
           <a:p>
             <a:r>
               <a:rPr lang="fr-FR" dirty="0"/>
-              <a:t>BM280 est un capteur de pression I2C</a:t>
+              <a:t>L'Arduino possède 6 ports PWM</a:t>
             </a:r>
           </a:p>
           <a:p>
             <a:pPr lvl="1"/>
             <a:r>
               <a:rPr lang="fr-FR" dirty="0"/>
-              <a:t>Librairie Grove_BME280, inclut </a:t>
-            </a:r>
-            <a:r>
-              <a:rPr lang="fr-FR" dirty="0" err="1"/>
-              <a:t>Wire</a:t>
+              <a:t>Préfixés par ~</a:t>
+            </a:r>
+          </a:p>
+          <a:p>
+            <a:pPr lvl="1"/>
+            <a:r>
+              <a:rPr lang="fr-FR" dirty="0"/>
+              <a:t>Peuvent être utilisés en digital ou </a:t>
+            </a:r>
+            <a:r>
+              <a:rPr lang="fr-FR"/>
+              <a:t>analog</a:t>
             </a:r>
             <a:endParaRPr lang="fr-FR" dirty="0"/>
           </a:p>
@@ -5993,7 +5937,13 @@
       </p:sp>
       <p:pic>
         <p:nvPicPr>
-          <p:cNvPr id="4" name="Image 3"/>
+          <p:cNvPr id="4" name="Image 3">
+            <a:extLst>
+              <a:ext uri="{FF2B5EF4-FFF2-40B4-BE49-F238E27FC236}">
+                <a16:creationId xmlns:a16="http://schemas.microsoft.com/office/drawing/2014/main" id="{37FB50DB-1FFD-F956-9CE7-B9DFAD9B73DC}"/>
+              </a:ext>
+            </a:extLst>
+          </p:cNvPr>
           <p:cNvPicPr>
             <a:picLocks noChangeAspect="1"/>
           </p:cNvPicPr>
@@ -6007,30 +5957,8 @@
         </p:blipFill>
         <p:spPr>
           <a:xfrm>
-            <a:off x="4604031" y="1412777"/>
-            <a:ext cx="4316577" cy="5040560"/>
-          </a:xfrm>
-          <a:prstGeom prst="rect">
-            <a:avLst/>
-          </a:prstGeom>
-        </p:spPr>
-      </p:pic>
-      <p:pic>
-        <p:nvPicPr>
-          <p:cNvPr id="5" name="Image 4"/>
-          <p:cNvPicPr/>
-          <p:nvPr/>
-        </p:nvPicPr>
-        <p:blipFill>
-          <a:blip r:embed="rId3"/>
-          <a:stretch>
-            <a:fillRect/>
-          </a:stretch>
-        </p:blipFill>
-        <p:spPr>
-          <a:xfrm>
-            <a:off x="467544" y="4437112"/>
-            <a:ext cx="3104381" cy="1815653"/>
+            <a:off x="5436296" y="1556792"/>
+            <a:ext cx="3581275" cy="3528830"/>
           </a:xfrm>
           <a:prstGeom prst="rect">
             <a:avLst/>
@@ -6040,7 +5968,7 @@
     </p:spTree>
     <p:extLst>
       <p:ext uri="{BB962C8B-B14F-4D97-AF65-F5344CB8AC3E}">
-        <p14:creationId xmlns:p14="http://schemas.microsoft.com/office/powerpoint/2010/main" val="348249065"/>
+        <p14:creationId xmlns:p14="http://schemas.microsoft.com/office/powerpoint/2010/main" val="1453376432"/>
       </p:ext>
     </p:extLst>
   </p:cSld>
@@ -6084,8 +6012,13 @@
           <a:p>
             <a:r>
               <a:rPr lang="fr-FR" dirty="0"/>
-              <a:t>Ecran LCD</a:t>
-            </a:r>
+              <a:t>Fading sur </a:t>
+            </a:r>
+            <a:r>
+              <a:rPr lang="fr-FR" dirty="0" err="1"/>
+              <a:t>Led</a:t>
+            </a:r>
+            <a:endParaRPr lang="fr-FR" dirty="0"/>
           </a:p>
         </p:txBody>
       </p:sp>
@@ -6106,123 +6039,579 @@
           <a:p>
             <a:r>
               <a:rPr lang="fr-FR" dirty="0"/>
-              <a:t>#</a:t>
+              <a:t>Les LED peuvent être branchées sur une sortie PWM</a:t>
+            </a:r>
+          </a:p>
+          <a:p>
+            <a:pPr lvl="1"/>
+            <a:r>
+              <a:rPr lang="fr-FR" dirty="0"/>
+              <a:t>Une sortie à 2.5V permet d'avoir une luminosité à 50%</a:t>
+            </a:r>
+          </a:p>
+          <a:p>
+            <a:r>
+              <a:rPr lang="fr-FR" dirty="0"/>
+              <a:t>Exemple</a:t>
+            </a:r>
+          </a:p>
+          <a:p>
+            <a:pPr lvl="1"/>
+            <a:r>
+              <a:rPr lang="en-US" dirty="0" err="1"/>
+              <a:t>val</a:t>
+            </a:r>
+            <a:r>
+              <a:rPr lang="en-US" dirty="0"/>
+              <a:t> = </a:t>
+            </a:r>
+            <a:r>
+              <a:rPr lang="en-US" dirty="0" err="1"/>
+              <a:t>analogRead</a:t>
+            </a:r>
+            <a:r>
+              <a:rPr lang="en-US" dirty="0"/>
+              <a:t>(</a:t>
+            </a:r>
+            <a:r>
+              <a:rPr lang="en-US" dirty="0" err="1"/>
+              <a:t>analogPin</a:t>
+            </a:r>
+            <a:r>
+              <a:rPr lang="en-US" dirty="0"/>
+              <a:t>);</a:t>
+            </a:r>
+          </a:p>
+          <a:p>
+            <a:pPr lvl="1"/>
+            <a:r>
+              <a:rPr lang="en-US" dirty="0" err="1"/>
+              <a:t>analogWrite</a:t>
+            </a:r>
+            <a:r>
+              <a:rPr lang="en-US" dirty="0"/>
+              <a:t>(</a:t>
+            </a:r>
+            <a:r>
+              <a:rPr lang="en-US" dirty="0" err="1"/>
+              <a:t>ledPin</a:t>
+            </a:r>
+            <a:r>
+              <a:rPr lang="en-US" dirty="0"/>
+              <a:t>, </a:t>
+            </a:r>
+            <a:r>
+              <a:rPr lang="en-US" dirty="0" err="1"/>
+              <a:t>val</a:t>
+            </a:r>
+            <a:r>
+              <a:rPr lang="en-US" dirty="0"/>
+              <a:t> );</a:t>
+            </a:r>
+          </a:p>
+          <a:p>
+            <a:pPr lvl="1"/>
+            <a:r>
+              <a:rPr lang="en-US" dirty="0" err="1"/>
+              <a:t>Permet</a:t>
+            </a:r>
+            <a:r>
+              <a:rPr lang="en-US" dirty="0"/>
+              <a:t> </a:t>
+            </a:r>
+            <a:r>
+              <a:rPr lang="en-US" dirty="0" err="1"/>
+              <a:t>d'adapter</a:t>
+            </a:r>
+            <a:r>
+              <a:rPr lang="en-US" dirty="0"/>
+              <a:t> </a:t>
+            </a:r>
+            <a:r>
+              <a:rPr lang="en-US" dirty="0" err="1"/>
+              <a:t>l'intensité</a:t>
+            </a:r>
+            <a:r>
+              <a:rPr lang="en-US" dirty="0"/>
+              <a:t> de la LED à un </a:t>
+            </a:r>
+            <a:r>
+              <a:rPr lang="en-US" dirty="0" err="1"/>
+              <a:t>potentiomètre</a:t>
+            </a:r>
+            <a:endParaRPr lang="fr-FR" dirty="0"/>
+          </a:p>
+        </p:txBody>
+      </p:sp>
+    </p:spTree>
+    <p:extLst>
+      <p:ext uri="{BB962C8B-B14F-4D97-AF65-F5344CB8AC3E}">
+        <p14:creationId xmlns:p14="http://schemas.microsoft.com/office/powerpoint/2010/main" val="1941932961"/>
+      </p:ext>
+    </p:extLst>
+  </p:cSld>
+  <p:clrMapOvr>
+    <a:masterClrMapping/>
+  </p:clrMapOvr>
+</p:sld>
+</file>
+
+<file path=ppt/slides/slide26.xml><?xml version="1.0" encoding="utf-8"?>
+<p:sld xmlns:a="http://schemas.openxmlformats.org/drawingml/2006/main" xmlns:r="http://schemas.openxmlformats.org/officeDocument/2006/relationships" xmlns:p="http://schemas.openxmlformats.org/presentationml/2006/main">
+  <p:cSld>
+    <p:spTree>
+      <p:nvGrpSpPr>
+        <p:cNvPr id="1" name=""/>
+        <p:cNvGrpSpPr/>
+        <p:nvPr/>
+      </p:nvGrpSpPr>
+      <p:grpSpPr>
+        <a:xfrm>
+          <a:off x="0" y="0"/>
+          <a:ext cx="0" cy="0"/>
+          <a:chOff x="0" y="0"/>
+          <a:chExt cx="0" cy="0"/>
+        </a:xfrm>
+      </p:grpSpPr>
+      <p:sp>
+        <p:nvSpPr>
+          <p:cNvPr id="2" name="Titre 1">
+            <a:extLst>
+              <a:ext uri="{FF2B5EF4-FFF2-40B4-BE49-F238E27FC236}">
+                <a16:creationId xmlns:a16="http://schemas.microsoft.com/office/drawing/2014/main" id="{1F70C91E-BA67-45C5-B976-3D20394089DA}"/>
+              </a:ext>
+            </a:extLst>
+          </p:cNvPr>
+          <p:cNvSpPr>
+            <a:spLocks noGrp="1"/>
+          </p:cNvSpPr>
+          <p:nvPr>
+            <p:ph type="title"/>
+          </p:nvPr>
+        </p:nvSpPr>
+        <p:spPr/>
+        <p:txBody>
+          <a:bodyPr/>
+          <a:lstStyle/>
+          <a:p>
+            <a:r>
+              <a:rPr lang="fr-FR" dirty="0"/>
+              <a:t>Fading </a:t>
             </a:r>
             <a:r>
               <a:rPr lang="fr-FR" dirty="0" err="1"/>
-              <a:t>include</a:t>
-            </a:r>
-            <a:r>
-              <a:rPr lang="fr-FR" dirty="0"/>
-              <a:t> &lt;</a:t>
-            </a:r>
-            <a:r>
-              <a:rPr lang="fr-FR" dirty="0" err="1"/>
-              <a:t>Wire.h</a:t>
-            </a:r>
-            <a:r>
-              <a:rPr lang="fr-FR" dirty="0"/>
-              <a:t>&gt;</a:t>
-            </a:r>
-          </a:p>
-          <a:p>
-            <a:r>
-              <a:rPr lang="fr-FR" dirty="0"/>
-              <a:t>#</a:t>
-            </a:r>
-            <a:r>
-              <a:rPr lang="fr-FR" dirty="0" err="1"/>
-              <a:t>include</a:t>
-            </a:r>
-            <a:r>
-              <a:rPr lang="fr-FR" dirty="0"/>
-              <a:t> "</a:t>
-            </a:r>
-            <a:r>
-              <a:rPr lang="fr-FR" dirty="0" err="1"/>
-              <a:t>rgb_lcd.h</a:t>
-            </a:r>
-            <a:r>
-              <a:rPr lang="fr-FR" dirty="0"/>
-              <a:t>"</a:t>
-            </a:r>
-          </a:p>
-          <a:p>
-            <a:r>
-              <a:rPr lang="fr-FR" dirty="0" err="1"/>
-              <a:t>rgb_lcd</a:t>
-            </a:r>
-            <a:r>
-              <a:rPr lang="fr-FR" dirty="0"/>
-              <a:t> </a:t>
-            </a:r>
-            <a:r>
-              <a:rPr lang="fr-FR" dirty="0" err="1"/>
-              <a:t>lcd</a:t>
-            </a:r>
-            <a:r>
-              <a:rPr lang="fr-FR" dirty="0"/>
-              <a:t>;</a:t>
-            </a:r>
-          </a:p>
-          <a:p>
-            <a:r>
-              <a:rPr lang="fr-FR" dirty="0" err="1"/>
-              <a:t>lcd.begin</a:t>
-            </a:r>
-            <a:r>
-              <a:rPr lang="fr-FR" dirty="0"/>
-              <a:t>(16, 2);</a:t>
-            </a:r>
-          </a:p>
-          <a:p>
-            <a:r>
-              <a:rPr lang="fr-FR" dirty="0" err="1"/>
-              <a:t>lcd.setRGB</a:t>
-            </a:r>
-            <a:r>
-              <a:rPr lang="fr-FR" dirty="0"/>
-              <a:t>(0, 0, 255);</a:t>
-            </a:r>
-          </a:p>
-          <a:p>
-            <a:r>
-              <a:rPr lang="fr-FR" dirty="0" err="1"/>
-              <a:t>lcd.print</a:t>
-            </a:r>
-            <a:r>
-              <a:rPr lang="fr-FR" dirty="0"/>
-              <a:t>("Hello World!");</a:t>
-            </a:r>
+              <a:t>led</a:t>
+            </a:r>
+            <a:endParaRPr lang="fr-FR" dirty="0"/>
+          </a:p>
+        </p:txBody>
+      </p:sp>
+      <p:sp>
+        <p:nvSpPr>
+          <p:cNvPr id="3" name="Espace réservé du contenu 2">
+            <a:extLst>
+              <a:ext uri="{FF2B5EF4-FFF2-40B4-BE49-F238E27FC236}">
+                <a16:creationId xmlns:a16="http://schemas.microsoft.com/office/drawing/2014/main" id="{CDE4AF0B-0B0D-85FE-2FAF-D1AC2F76730E}"/>
+              </a:ext>
+            </a:extLst>
+          </p:cNvPr>
+          <p:cNvSpPr>
+            <a:spLocks noGrp="1"/>
+          </p:cNvSpPr>
+          <p:nvPr>
+            <p:ph idx="1"/>
+          </p:nvPr>
+        </p:nvSpPr>
+        <p:spPr/>
+        <p:txBody>
+          <a:bodyPr/>
+          <a:lstStyle/>
+          <a:p>
+            <a:endParaRPr lang="fr-FR"/>
           </a:p>
         </p:txBody>
       </p:sp>
       <p:pic>
         <p:nvPicPr>
-          <p:cNvPr id="4" name="Image 3"/>
-          <p:cNvPicPr/>
+          <p:cNvPr id="4098" name="Picture 2" descr="Fading a LED | Arduino Documentation">
+            <a:extLst>
+              <a:ext uri="{FF2B5EF4-FFF2-40B4-BE49-F238E27FC236}">
+                <a16:creationId xmlns:a16="http://schemas.microsoft.com/office/drawing/2014/main" id="{C32B0E97-2542-7B5C-6B7F-8803761E4651}"/>
+              </a:ext>
+            </a:extLst>
+          </p:cNvPr>
+          <p:cNvPicPr>
+            <a:picLocks noChangeAspect="1" noChangeArrowheads="1"/>
+          </p:cNvPicPr>
           <p:nvPr/>
         </p:nvPicPr>
         <p:blipFill>
-          <a:blip r:embed="rId2"/>
+          <a:blip r:embed="rId2">
+            <a:extLst>
+              <a:ext uri="{28A0092B-C50C-407E-A947-70E740481C1C}">
+                <a14:useLocalDpi xmlns:a14="http://schemas.microsoft.com/office/drawing/2010/main" val="0"/>
+              </a:ext>
+            </a:extLst>
+          </a:blip>
+          <a:srcRect/>
           <a:stretch>
             <a:fillRect/>
           </a:stretch>
         </p:blipFill>
-        <p:spPr>
+        <p:spPr bwMode="auto">
           <a:xfrm>
-            <a:off x="5102597" y="1700808"/>
-            <a:ext cx="3286125" cy="2000250"/>
+            <a:off x="0" y="1077330"/>
+            <a:ext cx="9175790" cy="5166675"/>
           </a:xfrm>
           <a:prstGeom prst="rect">
             <a:avLst/>
           </a:prstGeom>
+          <a:noFill/>
+          <a:extLst>
+            <a:ext uri="{909E8E84-426E-40DD-AFC4-6F175D3DCCD1}">
+              <a14:hiddenFill xmlns:a14="http://schemas.microsoft.com/office/drawing/2010/main">
+                <a:solidFill>
+                  <a:srgbClr val="FFFFFF"/>
+                </a:solidFill>
+              </a14:hiddenFill>
+            </a:ext>
+          </a:extLst>
         </p:spPr>
       </p:pic>
     </p:spTree>
     <p:extLst>
       <p:ext uri="{BB962C8B-B14F-4D97-AF65-F5344CB8AC3E}">
-        <p14:creationId xmlns:p14="http://schemas.microsoft.com/office/powerpoint/2010/main" val="1081760514"/>
+        <p14:creationId xmlns:p14="http://schemas.microsoft.com/office/powerpoint/2010/main" val="433653400"/>
+      </p:ext>
+    </p:extLst>
+  </p:cSld>
+  <p:clrMapOvr>
+    <a:masterClrMapping/>
+  </p:clrMapOvr>
+</p:sld>
+</file>
+
+<file path=ppt/slides/slide27.xml><?xml version="1.0" encoding="utf-8"?>
+<p:sld xmlns:a="http://schemas.openxmlformats.org/drawingml/2006/main" xmlns:r="http://schemas.openxmlformats.org/officeDocument/2006/relationships" xmlns:p="http://schemas.openxmlformats.org/presentationml/2006/main">
+  <p:cSld>
+    <p:spTree>
+      <p:nvGrpSpPr>
+        <p:cNvPr id="1" name=""/>
+        <p:cNvGrpSpPr/>
+        <p:nvPr/>
+      </p:nvGrpSpPr>
+      <p:grpSpPr>
+        <a:xfrm>
+          <a:off x="0" y="0"/>
+          <a:ext cx="0" cy="0"/>
+          <a:chOff x="0" y="0"/>
+          <a:chExt cx="0" cy="0"/>
+        </a:xfrm>
+      </p:grpSpPr>
+      <p:sp>
+        <p:nvSpPr>
+          <p:cNvPr id="2" name="Titre 1"/>
+          <p:cNvSpPr>
+            <a:spLocks noGrp="1"/>
+          </p:cNvSpPr>
+          <p:nvPr>
+            <p:ph type="title"/>
+          </p:nvPr>
+        </p:nvSpPr>
+        <p:spPr/>
+        <p:txBody>
+          <a:bodyPr/>
+          <a:lstStyle/>
+          <a:p>
+            <a:r>
+              <a:rPr lang="fr-FR" dirty="0"/>
+              <a:t>Boucle for</a:t>
+            </a:r>
+          </a:p>
+        </p:txBody>
+      </p:sp>
+      <p:sp>
+        <p:nvSpPr>
+          <p:cNvPr id="3" name="Espace réservé du contenu 2"/>
+          <p:cNvSpPr>
+            <a:spLocks noGrp="1"/>
+          </p:cNvSpPr>
+          <p:nvPr>
+            <p:ph idx="1"/>
+          </p:nvPr>
+        </p:nvSpPr>
+        <p:spPr/>
+        <p:txBody>
+          <a:bodyPr/>
+          <a:lstStyle/>
+          <a:p>
+            <a:r>
+              <a:rPr lang="fr-FR" dirty="0"/>
+              <a:t>La boucle for permet de boucler sur des valeurs</a:t>
+            </a:r>
+          </a:p>
+          <a:p>
+            <a:r>
+              <a:rPr lang="fr-FR" dirty="0"/>
+              <a:t>Exemple le fading </a:t>
+            </a:r>
+            <a:r>
+              <a:rPr lang="fr-FR" dirty="0" err="1"/>
+              <a:t>led</a:t>
+            </a:r>
+            <a:endParaRPr lang="fr-FR" dirty="0"/>
+          </a:p>
+          <a:p>
+            <a:pPr lvl="1"/>
+            <a:r>
+              <a:rPr lang="fr-FR" dirty="0" err="1"/>
+              <a:t>void</a:t>
+            </a:r>
+            <a:r>
+              <a:rPr lang="fr-FR" dirty="0"/>
+              <a:t> </a:t>
+            </a:r>
+            <a:r>
+              <a:rPr lang="fr-FR" dirty="0" err="1"/>
+              <a:t>loop</a:t>
+            </a:r>
+            <a:r>
+              <a:rPr lang="fr-FR" dirty="0"/>
+              <a:t>() {</a:t>
+            </a:r>
+            <a:br>
+              <a:rPr lang="fr-FR" dirty="0"/>
+            </a:br>
+            <a:r>
+              <a:rPr lang="fr-FR" dirty="0"/>
+              <a:t>	for(i = 0; i &lt; 255; i++) {</a:t>
+            </a:r>
+            <a:br>
+              <a:rPr lang="fr-FR" dirty="0"/>
+            </a:br>
+            <a:r>
+              <a:rPr lang="fr-FR" dirty="0"/>
+              <a:t>  		</a:t>
+            </a:r>
+            <a:r>
+              <a:rPr lang="fr-FR" dirty="0" err="1"/>
+              <a:t>analogWrite</a:t>
+            </a:r>
+            <a:r>
+              <a:rPr lang="fr-FR" dirty="0"/>
+              <a:t>(LED, i);</a:t>
+            </a:r>
+            <a:br>
+              <a:rPr lang="fr-FR" dirty="0"/>
+            </a:br>
+            <a:r>
+              <a:rPr lang="fr-FR" dirty="0"/>
+              <a:t>  		</a:t>
+            </a:r>
+            <a:r>
+              <a:rPr lang="fr-FR" dirty="0" err="1"/>
+              <a:t>delay</a:t>
+            </a:r>
+            <a:r>
+              <a:rPr lang="fr-FR" dirty="0"/>
+              <a:t>(10);</a:t>
+            </a:r>
+            <a:br>
+              <a:rPr lang="fr-FR" dirty="0"/>
+            </a:br>
+            <a:r>
+              <a:rPr lang="fr-FR" dirty="0"/>
+              <a:t>	}</a:t>
+            </a:r>
+            <a:br>
+              <a:rPr lang="fr-FR" dirty="0"/>
+            </a:br>
+            <a:r>
+              <a:rPr lang="fr-FR" dirty="0"/>
+              <a:t>	for(i = 255; i &gt; 0; i--) {</a:t>
+            </a:r>
+            <a:br>
+              <a:rPr lang="fr-FR" dirty="0"/>
+            </a:br>
+            <a:r>
+              <a:rPr lang="fr-FR" dirty="0"/>
+              <a:t>  		</a:t>
+            </a:r>
+            <a:r>
+              <a:rPr lang="fr-FR" dirty="0" err="1"/>
+              <a:t>analogWrite</a:t>
+            </a:r>
+            <a:r>
+              <a:rPr lang="fr-FR" dirty="0"/>
+              <a:t>(LED, i);</a:t>
+            </a:r>
+            <a:br>
+              <a:rPr lang="fr-FR" dirty="0"/>
+            </a:br>
+            <a:r>
+              <a:rPr lang="fr-FR" dirty="0"/>
+              <a:t>  		</a:t>
+            </a:r>
+            <a:r>
+              <a:rPr lang="fr-FR" dirty="0" err="1"/>
+              <a:t>delay</a:t>
+            </a:r>
+            <a:r>
+              <a:rPr lang="fr-FR" dirty="0"/>
+              <a:t>(10);</a:t>
+            </a:r>
+            <a:br>
+              <a:rPr lang="fr-FR" dirty="0"/>
+            </a:br>
+            <a:r>
+              <a:rPr lang="fr-FR" dirty="0"/>
+              <a:t>	}</a:t>
+            </a:r>
+            <a:br>
+              <a:rPr lang="fr-FR" dirty="0"/>
+            </a:br>
+            <a:r>
+              <a:rPr lang="fr-FR" dirty="0"/>
+              <a:t>}</a:t>
+            </a:r>
+          </a:p>
+        </p:txBody>
+      </p:sp>
+    </p:spTree>
+    <p:extLst>
+      <p:ext uri="{BB962C8B-B14F-4D97-AF65-F5344CB8AC3E}">
+        <p14:creationId xmlns:p14="http://schemas.microsoft.com/office/powerpoint/2010/main" val="3376649889"/>
+      </p:ext>
+    </p:extLst>
+  </p:cSld>
+  <p:clrMapOvr>
+    <a:masterClrMapping/>
+  </p:clrMapOvr>
+</p:sld>
+</file>
+
+<file path=ppt/slides/slide28.xml><?xml version="1.0" encoding="utf-8"?>
+<p:sld xmlns:a="http://schemas.openxmlformats.org/drawingml/2006/main" xmlns:r="http://schemas.openxmlformats.org/officeDocument/2006/relationships" xmlns:p="http://schemas.openxmlformats.org/presentationml/2006/main">
+  <p:cSld>
+    <p:spTree>
+      <p:nvGrpSpPr>
+        <p:cNvPr id="1" name=""/>
+        <p:cNvGrpSpPr/>
+        <p:nvPr/>
+      </p:nvGrpSpPr>
+      <p:grpSpPr>
+        <a:xfrm>
+          <a:off x="0" y="0"/>
+          <a:ext cx="0" cy="0"/>
+          <a:chOff x="0" y="0"/>
+          <a:chExt cx="0" cy="0"/>
+        </a:xfrm>
+      </p:grpSpPr>
+      <p:sp>
+        <p:nvSpPr>
+          <p:cNvPr id="2" name="Titre 1">
+            <a:extLst>
+              <a:ext uri="{FF2B5EF4-FFF2-40B4-BE49-F238E27FC236}">
+                <a16:creationId xmlns:a16="http://schemas.microsoft.com/office/drawing/2014/main" id="{040EFE90-0953-D6F8-2762-1F8856F398EA}"/>
+              </a:ext>
+            </a:extLst>
+          </p:cNvPr>
+          <p:cNvSpPr>
+            <a:spLocks noGrp="1"/>
+          </p:cNvSpPr>
+          <p:nvPr>
+            <p:ph type="title"/>
+          </p:nvPr>
+        </p:nvSpPr>
+        <p:spPr/>
+        <p:txBody>
+          <a:bodyPr/>
+          <a:lstStyle/>
+          <a:p>
+            <a:r>
+              <a:rPr lang="fr-FR" dirty="0" err="1"/>
+              <a:t>Potentiometre</a:t>
+            </a:r>
+            <a:endParaRPr lang="fr-FR" dirty="0"/>
+          </a:p>
+        </p:txBody>
+      </p:sp>
+      <p:sp>
+        <p:nvSpPr>
+          <p:cNvPr id="3" name="Espace réservé du contenu 2">
+            <a:extLst>
+              <a:ext uri="{FF2B5EF4-FFF2-40B4-BE49-F238E27FC236}">
+                <a16:creationId xmlns:a16="http://schemas.microsoft.com/office/drawing/2014/main" id="{7BF6044B-9AE5-D9A8-9909-6830D3D7DE80}"/>
+              </a:ext>
+            </a:extLst>
+          </p:cNvPr>
+          <p:cNvSpPr>
+            <a:spLocks noGrp="1"/>
+          </p:cNvSpPr>
+          <p:nvPr>
+            <p:ph idx="1"/>
+          </p:nvPr>
+        </p:nvSpPr>
+        <p:spPr/>
+        <p:txBody>
+          <a:bodyPr/>
+          <a:lstStyle/>
+          <a:p>
+            <a:endParaRPr lang="fr-FR"/>
+          </a:p>
+        </p:txBody>
+      </p:sp>
+      <p:pic>
+        <p:nvPicPr>
+          <p:cNvPr id="5122" name="Picture 2" descr="Fading/Controlling Led/brightness Using Potentiometer(Variable Resistor)  and Arduino Uno : 3 Steps - Instructables">
+            <a:extLst>
+              <a:ext uri="{FF2B5EF4-FFF2-40B4-BE49-F238E27FC236}">
+                <a16:creationId xmlns:a16="http://schemas.microsoft.com/office/drawing/2014/main" id="{40746F32-D4B4-E496-F971-F6625EBD8E72}"/>
+              </a:ext>
+            </a:extLst>
+          </p:cNvPr>
+          <p:cNvPicPr>
+            <a:picLocks noChangeAspect="1" noChangeArrowheads="1"/>
+          </p:cNvPicPr>
+          <p:nvPr/>
+        </p:nvPicPr>
+        <p:blipFill>
+          <a:blip r:embed="rId2">
+            <a:extLst>
+              <a:ext uri="{28A0092B-C50C-407E-A947-70E740481C1C}">
+                <a14:useLocalDpi xmlns:a14="http://schemas.microsoft.com/office/drawing/2010/main" val="0"/>
+              </a:ext>
+            </a:extLst>
+          </a:blip>
+          <a:srcRect/>
+          <a:stretch>
+            <a:fillRect/>
+          </a:stretch>
+        </p:blipFill>
+        <p:spPr bwMode="auto">
+          <a:xfrm>
+            <a:off x="899592" y="919058"/>
+            <a:ext cx="6768752" cy="5659966"/>
+          </a:xfrm>
+          <a:prstGeom prst="rect">
+            <a:avLst/>
+          </a:prstGeom>
+          <a:noFill/>
+          <a:extLst>
+            <a:ext uri="{909E8E84-426E-40DD-AFC4-6F175D3DCCD1}">
+              <a14:hiddenFill xmlns:a14="http://schemas.microsoft.com/office/drawing/2010/main">
+                <a:solidFill>
+                  <a:srgbClr val="FFFFFF"/>
+                </a:solidFill>
+              </a14:hiddenFill>
+            </a:ext>
+          </a:extLst>
+        </p:spPr>
+      </p:pic>
+    </p:spTree>
+    <p:extLst>
+      <p:ext uri="{BB962C8B-B14F-4D97-AF65-F5344CB8AC3E}">
+        <p14:creationId xmlns:p14="http://schemas.microsoft.com/office/powerpoint/2010/main" val="3436266268"/>
       </p:ext>
     </p:extLst>
   </p:cSld>

--- a/ppt/IoT05-ArduinoDev.pptx
+++ b/ppt/IoT05-ArduinoDev.pptx
@@ -5,10 +5,10 @@
     <p:sldMasterId id="2147483653" r:id="rId1"/>
   </p:sldMasterIdLst>
   <p:notesMasterIdLst>
-    <p:notesMasterId r:id="rId30"/>
+    <p:notesMasterId r:id="rId29"/>
   </p:notesMasterIdLst>
   <p:handoutMasterIdLst>
-    <p:handoutMasterId r:id="rId31"/>
+    <p:handoutMasterId r:id="rId30"/>
   </p:handoutMasterIdLst>
   <p:sldIdLst>
     <p:sldId id="264" r:id="rId2"/>
@@ -21,24 +21,23 @@
     <p:sldId id="287" r:id="rId9"/>
     <p:sldId id="273" r:id="rId10"/>
     <p:sldId id="298" r:id="rId11"/>
-    <p:sldId id="276" r:id="rId12"/>
-    <p:sldId id="271" r:id="rId13"/>
-    <p:sldId id="293" r:id="rId14"/>
-    <p:sldId id="292" r:id="rId15"/>
-    <p:sldId id="272" r:id="rId16"/>
-    <p:sldId id="274" r:id="rId17"/>
-    <p:sldId id="286" r:id="rId18"/>
-    <p:sldId id="297" r:id="rId19"/>
-    <p:sldId id="291" r:id="rId20"/>
-    <p:sldId id="277" r:id="rId21"/>
-    <p:sldId id="278" r:id="rId22"/>
-    <p:sldId id="294" r:id="rId23"/>
-    <p:sldId id="289" r:id="rId24"/>
-    <p:sldId id="299" r:id="rId25"/>
-    <p:sldId id="279" r:id="rId26"/>
-    <p:sldId id="295" r:id="rId27"/>
-    <p:sldId id="280" r:id="rId28"/>
-    <p:sldId id="296" r:id="rId29"/>
+    <p:sldId id="271" r:id="rId12"/>
+    <p:sldId id="293" r:id="rId13"/>
+    <p:sldId id="276" r:id="rId14"/>
+    <p:sldId id="272" r:id="rId15"/>
+    <p:sldId id="274" r:id="rId16"/>
+    <p:sldId id="286" r:id="rId17"/>
+    <p:sldId id="297" r:id="rId18"/>
+    <p:sldId id="291" r:id="rId19"/>
+    <p:sldId id="277" r:id="rId20"/>
+    <p:sldId id="278" r:id="rId21"/>
+    <p:sldId id="294" r:id="rId22"/>
+    <p:sldId id="289" r:id="rId23"/>
+    <p:sldId id="299" r:id="rId24"/>
+    <p:sldId id="279" r:id="rId25"/>
+    <p:sldId id="295" r:id="rId26"/>
+    <p:sldId id="280" r:id="rId27"/>
+    <p:sldId id="296" r:id="rId28"/>
   </p:sldIdLst>
   <p:sldSz cx="9144000" cy="6858000" type="screen4x3"/>
   <p:notesSz cx="6648450" cy="9782175"/>
@@ -3906,6 +3905,329 @@
           <a:p>
             <a:r>
               <a:rPr lang="fr-FR" dirty="0" err="1"/>
+              <a:t>pinMode</a:t>
+            </a:r>
+            <a:r>
+              <a:rPr lang="fr-FR" dirty="0"/>
+              <a:t>()</a:t>
+            </a:r>
+          </a:p>
+        </p:txBody>
+      </p:sp>
+      <p:sp>
+        <p:nvSpPr>
+          <p:cNvPr id="3" name="Espace réservé du contenu 2"/>
+          <p:cNvSpPr>
+            <a:spLocks noGrp="1"/>
+          </p:cNvSpPr>
+          <p:nvPr>
+            <p:ph idx="1"/>
+          </p:nvPr>
+        </p:nvSpPr>
+        <p:spPr/>
+        <p:txBody>
+          <a:bodyPr/>
+          <a:lstStyle/>
+          <a:p>
+            <a:r>
+              <a:rPr lang="fr-FR" dirty="0" err="1"/>
+              <a:t>pinMode</a:t>
+            </a:r>
+            <a:r>
+              <a:rPr lang="fr-FR" dirty="0"/>
+              <a:t>() permet de définir un port</a:t>
+            </a:r>
+          </a:p>
+          <a:p>
+            <a:pPr lvl="1"/>
+            <a:r>
+              <a:rPr lang="fr-FR" dirty="0" err="1"/>
+              <a:t>pinMode</a:t>
+            </a:r>
+            <a:r>
+              <a:rPr lang="fr-FR" dirty="0"/>
+              <a:t>(8, OUTPUT)</a:t>
+            </a:r>
+          </a:p>
+          <a:p>
+            <a:pPr lvl="1"/>
+            <a:r>
+              <a:rPr lang="fr-FR" dirty="0" err="1"/>
+              <a:t>pinMode</a:t>
+            </a:r>
+            <a:r>
+              <a:rPr lang="fr-FR" dirty="0"/>
+              <a:t>(7, INPUT)</a:t>
+            </a:r>
+          </a:p>
+          <a:p>
+            <a:pPr lvl="1"/>
+            <a:r>
+              <a:rPr lang="fr-FR" dirty="0" err="1"/>
+              <a:t>pinMode</a:t>
+            </a:r>
+            <a:r>
+              <a:rPr lang="fr-FR" dirty="0"/>
+              <a:t>(6, INPUT_PULLUP)</a:t>
+            </a:r>
+          </a:p>
+          <a:p>
+            <a:pPr lvl="1"/>
+            <a:r>
+              <a:rPr lang="fr-FR" dirty="0" err="1"/>
+              <a:t>pinMode</a:t>
+            </a:r>
+            <a:r>
+              <a:rPr lang="fr-FR" dirty="0"/>
+              <a:t>(5, INPUT_PULLDOWN)</a:t>
+            </a:r>
+          </a:p>
+          <a:p>
+            <a:pPr lvl="1"/>
+            <a:r>
+              <a:rPr lang="fr-FR" dirty="0" err="1"/>
+              <a:t>pinMode</a:t>
+            </a:r>
+            <a:r>
+              <a:rPr lang="fr-FR" dirty="0"/>
+              <a:t>(LED_BUILTIN, OUTPUT)</a:t>
+            </a:r>
+          </a:p>
+          <a:p>
+            <a:r>
+              <a:rPr lang="fr-FR" dirty="0"/>
+              <a:t>Attention les Arduino inversent PULLUP &amp; PULLDOWN</a:t>
+            </a:r>
+          </a:p>
+          <a:p>
+            <a:pPr lvl="1"/>
+            <a:r>
+              <a:rPr lang="fr-FR" sz="2000"/>
+              <a:t>Lors </a:t>
+            </a:r>
+            <a:r>
+              <a:rPr lang="fr-FR" sz="2000" dirty="0"/>
+              <a:t>du HIGH, le courant va passer par le chemin offrant le moins de résistance, soit directement par la masse, sans passer par l'entrée </a:t>
+            </a:r>
+            <a:r>
+              <a:rPr lang="fr-FR" sz="2000" dirty="0" err="1"/>
+              <a:t>Dx</a:t>
+            </a:r>
+            <a:r>
+              <a:rPr lang="fr-FR" sz="2000" dirty="0"/>
+              <a:t>. Le fonctionnement est donc inversé par rapport à la résistance pull-down</a:t>
+            </a:r>
+          </a:p>
+        </p:txBody>
+      </p:sp>
+    </p:spTree>
+    <p:extLst>
+      <p:ext uri="{BB962C8B-B14F-4D97-AF65-F5344CB8AC3E}">
+        <p14:creationId xmlns:p14="http://schemas.microsoft.com/office/powerpoint/2010/main" val="2948737533"/>
+      </p:ext>
+    </p:extLst>
+  </p:cSld>
+  <p:clrMapOvr>
+    <a:masterClrMapping/>
+  </p:clrMapOvr>
+</p:sld>
+</file>
+
+<file path=ppt/slides/slide12.xml><?xml version="1.0" encoding="utf-8"?>
+<p:sld xmlns:a="http://schemas.openxmlformats.org/drawingml/2006/main" xmlns:r="http://schemas.openxmlformats.org/officeDocument/2006/relationships" xmlns:p="http://schemas.openxmlformats.org/presentationml/2006/main">
+  <p:cSld>
+    <p:spTree>
+      <p:nvGrpSpPr>
+        <p:cNvPr id="1" name="">
+          <a:extLst>
+            <a:ext uri="{FF2B5EF4-FFF2-40B4-BE49-F238E27FC236}">
+              <a16:creationId xmlns:a16="http://schemas.microsoft.com/office/drawing/2014/main" id="{4AB7A605-0BBA-3F93-5010-91F20E463F6B}"/>
+            </a:ext>
+          </a:extLst>
+        </p:cNvPr>
+        <p:cNvGrpSpPr/>
+        <p:nvPr/>
+      </p:nvGrpSpPr>
+      <p:grpSpPr>
+        <a:xfrm>
+          <a:off x="0" y="0"/>
+          <a:ext cx="0" cy="0"/>
+          <a:chOff x="0" y="0"/>
+          <a:chExt cx="0" cy="0"/>
+        </a:xfrm>
+      </p:grpSpPr>
+      <p:sp>
+        <p:nvSpPr>
+          <p:cNvPr id="2" name="Titre 1">
+            <a:extLst>
+              <a:ext uri="{FF2B5EF4-FFF2-40B4-BE49-F238E27FC236}">
+                <a16:creationId xmlns:a16="http://schemas.microsoft.com/office/drawing/2014/main" id="{A8BD79FB-4CC9-C252-1B12-2C59D463F3F0}"/>
+              </a:ext>
+            </a:extLst>
+          </p:cNvPr>
+          <p:cNvSpPr>
+            <a:spLocks noGrp="1"/>
+          </p:cNvSpPr>
+          <p:nvPr>
+            <p:ph type="title"/>
+          </p:nvPr>
+        </p:nvSpPr>
+        <p:spPr/>
+        <p:txBody>
+          <a:bodyPr/>
+          <a:lstStyle/>
+          <a:p>
+            <a:r>
+              <a:rPr lang="fr-FR" dirty="0" err="1"/>
+              <a:t>digitalWrite</a:t>
+            </a:r>
+            <a:endParaRPr lang="fr-FR" dirty="0"/>
+          </a:p>
+        </p:txBody>
+      </p:sp>
+      <p:sp>
+        <p:nvSpPr>
+          <p:cNvPr id="3" name="Espace réservé du contenu 2">
+            <a:extLst>
+              <a:ext uri="{FF2B5EF4-FFF2-40B4-BE49-F238E27FC236}">
+                <a16:creationId xmlns:a16="http://schemas.microsoft.com/office/drawing/2014/main" id="{1B89F8B5-8BAD-F76C-0865-C800F6E13F14}"/>
+              </a:ext>
+            </a:extLst>
+          </p:cNvPr>
+          <p:cNvSpPr>
+            <a:spLocks noGrp="1"/>
+          </p:cNvSpPr>
+          <p:nvPr>
+            <p:ph idx="1"/>
+          </p:nvPr>
+        </p:nvSpPr>
+        <p:spPr/>
+        <p:txBody>
+          <a:bodyPr/>
+          <a:lstStyle/>
+          <a:p>
+            <a:r>
+              <a:rPr lang="fr-FR" dirty="0" err="1"/>
+              <a:t>digitalWrite</a:t>
+            </a:r>
+            <a:r>
+              <a:rPr lang="fr-FR" dirty="0"/>
+              <a:t>(8, HIGH)</a:t>
+            </a:r>
+          </a:p>
+          <a:p>
+            <a:pPr lvl="1"/>
+            <a:r>
+              <a:rPr lang="fr-FR" dirty="0"/>
+              <a:t>Envoie 5V sur le port numérique 8</a:t>
+            </a:r>
+          </a:p>
+          <a:p>
+            <a:pPr lvl="1"/>
+            <a:r>
+              <a:rPr lang="fr-FR" dirty="0"/>
+              <a:t>Identique à </a:t>
+            </a:r>
+            <a:r>
+              <a:rPr lang="fr-FR" dirty="0" err="1"/>
+              <a:t>digitalWrite</a:t>
+            </a:r>
+            <a:r>
+              <a:rPr lang="fr-FR" dirty="0"/>
+              <a:t>(8, 1)</a:t>
+            </a:r>
+          </a:p>
+          <a:p>
+            <a:r>
+              <a:rPr lang="fr-FR" dirty="0" err="1"/>
+              <a:t>digitalWrite</a:t>
+            </a:r>
+            <a:r>
+              <a:rPr lang="fr-FR" dirty="0"/>
+              <a:t>(8, LOW)</a:t>
+            </a:r>
+          </a:p>
+          <a:p>
+            <a:pPr lvl="1"/>
+            <a:r>
+              <a:rPr lang="fr-FR" dirty="0"/>
+              <a:t>Envoie 0V sur le port numérique 8</a:t>
+            </a:r>
+          </a:p>
+          <a:p>
+            <a:pPr lvl="1"/>
+            <a:r>
+              <a:rPr lang="fr-FR" dirty="0"/>
+              <a:t>Identique à </a:t>
+            </a:r>
+            <a:r>
+              <a:rPr lang="fr-FR" dirty="0" err="1"/>
+              <a:t>digitalWrite</a:t>
+            </a:r>
+            <a:r>
+              <a:rPr lang="fr-FR" dirty="0"/>
+              <a:t>(8, 0)</a:t>
+            </a:r>
+          </a:p>
+          <a:p>
+            <a:pPr marL="0" indent="0">
+              <a:buNone/>
+            </a:pPr>
+            <a:endParaRPr lang="fr-FR" dirty="0"/>
+          </a:p>
+          <a:p>
+            <a:pPr lvl="1"/>
+            <a:endParaRPr lang="fr-FR" dirty="0"/>
+          </a:p>
+        </p:txBody>
+      </p:sp>
+    </p:spTree>
+    <p:extLst>
+      <p:ext uri="{BB962C8B-B14F-4D97-AF65-F5344CB8AC3E}">
+        <p14:creationId xmlns:p14="http://schemas.microsoft.com/office/powerpoint/2010/main" val="23867717"/>
+      </p:ext>
+    </p:extLst>
+  </p:cSld>
+  <p:clrMapOvr>
+    <a:masterClrMapping/>
+  </p:clrMapOvr>
+</p:sld>
+</file>
+
+<file path=ppt/slides/slide13.xml><?xml version="1.0" encoding="utf-8"?>
+<p:sld xmlns:a="http://schemas.openxmlformats.org/drawingml/2006/main" xmlns:r="http://schemas.openxmlformats.org/officeDocument/2006/relationships" xmlns:p="http://schemas.openxmlformats.org/presentationml/2006/main">
+  <p:cSld>
+    <p:spTree>
+      <p:nvGrpSpPr>
+        <p:cNvPr id="1" name=""/>
+        <p:cNvGrpSpPr/>
+        <p:nvPr/>
+      </p:nvGrpSpPr>
+      <p:grpSpPr>
+        <a:xfrm>
+          <a:off x="0" y="0"/>
+          <a:ext cx="0" cy="0"/>
+          <a:chOff x="0" y="0"/>
+          <a:chExt cx="0" cy="0"/>
+        </a:xfrm>
+      </p:grpSpPr>
+      <p:sp>
+        <p:nvSpPr>
+          <p:cNvPr id="2" name="Titre 1"/>
+          <p:cNvSpPr>
+            <a:spLocks noGrp="1"/>
+          </p:cNvSpPr>
+          <p:nvPr>
+            <p:ph type="title"/>
+          </p:nvPr>
+        </p:nvSpPr>
+        <p:spPr/>
+        <p:txBody>
+          <a:bodyPr/>
+          <a:lstStyle/>
+          <a:p>
+            <a:r>
+              <a:rPr lang="fr-FR" dirty="0" err="1"/>
               <a:t>Blink</a:t>
             </a:r>
             <a:endParaRPr lang="fr-FR" dirty="0"/>
@@ -3995,304 +4317,6 @@
 </p:sld>
 </file>
 
-<file path=ppt/slides/slide12.xml><?xml version="1.0" encoding="utf-8"?>
-<p:sld xmlns:a="http://schemas.openxmlformats.org/drawingml/2006/main" xmlns:r="http://schemas.openxmlformats.org/officeDocument/2006/relationships" xmlns:p="http://schemas.openxmlformats.org/presentationml/2006/main">
-  <p:cSld>
-    <p:spTree>
-      <p:nvGrpSpPr>
-        <p:cNvPr id="1" name=""/>
-        <p:cNvGrpSpPr/>
-        <p:nvPr/>
-      </p:nvGrpSpPr>
-      <p:grpSpPr>
-        <a:xfrm>
-          <a:off x="0" y="0"/>
-          <a:ext cx="0" cy="0"/>
-          <a:chOff x="0" y="0"/>
-          <a:chExt cx="0" cy="0"/>
-        </a:xfrm>
-      </p:grpSpPr>
-      <p:sp>
-        <p:nvSpPr>
-          <p:cNvPr id="2" name="Titre 1"/>
-          <p:cNvSpPr>
-            <a:spLocks noGrp="1"/>
-          </p:cNvSpPr>
-          <p:nvPr>
-            <p:ph type="title"/>
-          </p:nvPr>
-        </p:nvSpPr>
-        <p:spPr/>
-        <p:txBody>
-          <a:bodyPr/>
-          <a:lstStyle/>
-          <a:p>
-            <a:r>
-              <a:rPr lang="fr-FR" dirty="0" err="1"/>
-              <a:t>pinMode</a:t>
-            </a:r>
-            <a:r>
-              <a:rPr lang="fr-FR" dirty="0"/>
-              <a:t>()</a:t>
-            </a:r>
-          </a:p>
-        </p:txBody>
-      </p:sp>
-      <p:sp>
-        <p:nvSpPr>
-          <p:cNvPr id="3" name="Espace réservé du contenu 2"/>
-          <p:cNvSpPr>
-            <a:spLocks noGrp="1"/>
-          </p:cNvSpPr>
-          <p:nvPr>
-            <p:ph idx="1"/>
-          </p:nvPr>
-        </p:nvSpPr>
-        <p:spPr/>
-        <p:txBody>
-          <a:bodyPr/>
-          <a:lstStyle/>
-          <a:p>
-            <a:r>
-              <a:rPr lang="fr-FR" dirty="0" err="1"/>
-              <a:t>pinMode</a:t>
-            </a:r>
-            <a:r>
-              <a:rPr lang="fr-FR" dirty="0"/>
-              <a:t>() permet de définir un port</a:t>
-            </a:r>
-          </a:p>
-          <a:p>
-            <a:pPr lvl="1"/>
-            <a:r>
-              <a:rPr lang="fr-FR" dirty="0" err="1"/>
-              <a:t>pinMode</a:t>
-            </a:r>
-            <a:r>
-              <a:rPr lang="fr-FR" dirty="0"/>
-              <a:t>(8, OUTPUT)</a:t>
-            </a:r>
-          </a:p>
-          <a:p>
-            <a:pPr lvl="1"/>
-            <a:r>
-              <a:rPr lang="fr-FR" dirty="0" err="1"/>
-              <a:t>pinMode</a:t>
-            </a:r>
-            <a:r>
-              <a:rPr lang="fr-FR" dirty="0"/>
-              <a:t>(7, INPUT)</a:t>
-            </a:r>
-          </a:p>
-          <a:p>
-            <a:pPr lvl="1"/>
-            <a:r>
-              <a:rPr lang="fr-FR" dirty="0" err="1"/>
-              <a:t>pinMode</a:t>
-            </a:r>
-            <a:r>
-              <a:rPr lang="fr-FR" dirty="0"/>
-              <a:t>(6, INPUT_PULLUP)</a:t>
-            </a:r>
-          </a:p>
-          <a:p>
-            <a:pPr lvl="1"/>
-            <a:r>
-              <a:rPr lang="fr-FR" dirty="0" err="1"/>
-              <a:t>pinMode</a:t>
-            </a:r>
-            <a:r>
-              <a:rPr lang="fr-FR" dirty="0"/>
-              <a:t>(5, INPUT_PULLDOWN)</a:t>
-            </a:r>
-          </a:p>
-          <a:p>
-            <a:pPr lvl="1"/>
-            <a:r>
-              <a:rPr lang="fr-FR" dirty="0" err="1"/>
-              <a:t>pinMode</a:t>
-            </a:r>
-            <a:r>
-              <a:rPr lang="fr-FR" dirty="0"/>
-              <a:t>(LED_BUILTIN, OUTPUT)</a:t>
-            </a:r>
-          </a:p>
-        </p:txBody>
-      </p:sp>
-    </p:spTree>
-    <p:extLst>
-      <p:ext uri="{BB962C8B-B14F-4D97-AF65-F5344CB8AC3E}">
-        <p14:creationId xmlns:p14="http://schemas.microsoft.com/office/powerpoint/2010/main" val="2948737533"/>
-      </p:ext>
-    </p:extLst>
-  </p:cSld>
-  <p:clrMapOvr>
-    <a:masterClrMapping/>
-  </p:clrMapOvr>
-</p:sld>
-</file>
-
-<file path=ppt/slides/slide13.xml><?xml version="1.0" encoding="utf-8"?>
-<p:sld xmlns:a="http://schemas.openxmlformats.org/drawingml/2006/main" xmlns:r="http://schemas.openxmlformats.org/officeDocument/2006/relationships" xmlns:p="http://schemas.openxmlformats.org/presentationml/2006/main">
-  <p:cSld>
-    <p:spTree>
-      <p:nvGrpSpPr>
-        <p:cNvPr id="1" name="">
-          <a:extLst>
-            <a:ext uri="{FF2B5EF4-FFF2-40B4-BE49-F238E27FC236}">
-              <a16:creationId xmlns:a16="http://schemas.microsoft.com/office/drawing/2014/main" id="{4AB7A605-0BBA-3F93-5010-91F20E463F6B}"/>
-            </a:ext>
-          </a:extLst>
-        </p:cNvPr>
-        <p:cNvGrpSpPr/>
-        <p:nvPr/>
-      </p:nvGrpSpPr>
-      <p:grpSpPr>
-        <a:xfrm>
-          <a:off x="0" y="0"/>
-          <a:ext cx="0" cy="0"/>
-          <a:chOff x="0" y="0"/>
-          <a:chExt cx="0" cy="0"/>
-        </a:xfrm>
-      </p:grpSpPr>
-      <p:sp>
-        <p:nvSpPr>
-          <p:cNvPr id="2" name="Titre 1">
-            <a:extLst>
-              <a:ext uri="{FF2B5EF4-FFF2-40B4-BE49-F238E27FC236}">
-                <a16:creationId xmlns:a16="http://schemas.microsoft.com/office/drawing/2014/main" id="{A8BD79FB-4CC9-C252-1B12-2C59D463F3F0}"/>
-              </a:ext>
-            </a:extLst>
-          </p:cNvPr>
-          <p:cNvSpPr>
-            <a:spLocks noGrp="1"/>
-          </p:cNvSpPr>
-          <p:nvPr>
-            <p:ph type="title"/>
-          </p:nvPr>
-        </p:nvSpPr>
-        <p:spPr/>
-        <p:txBody>
-          <a:bodyPr/>
-          <a:lstStyle/>
-          <a:p>
-            <a:r>
-              <a:rPr lang="fr-FR" dirty="0" err="1"/>
-              <a:t>digitalWrite</a:t>
-            </a:r>
-            <a:endParaRPr lang="fr-FR" dirty="0"/>
-          </a:p>
-        </p:txBody>
-      </p:sp>
-      <p:sp>
-        <p:nvSpPr>
-          <p:cNvPr id="3" name="Espace réservé du contenu 2">
-            <a:extLst>
-              <a:ext uri="{FF2B5EF4-FFF2-40B4-BE49-F238E27FC236}">
-                <a16:creationId xmlns:a16="http://schemas.microsoft.com/office/drawing/2014/main" id="{1B89F8B5-8BAD-F76C-0865-C800F6E13F14}"/>
-              </a:ext>
-            </a:extLst>
-          </p:cNvPr>
-          <p:cNvSpPr>
-            <a:spLocks noGrp="1"/>
-          </p:cNvSpPr>
-          <p:nvPr>
-            <p:ph idx="1"/>
-          </p:nvPr>
-        </p:nvSpPr>
-        <p:spPr/>
-        <p:txBody>
-          <a:bodyPr/>
-          <a:lstStyle/>
-          <a:p>
-            <a:r>
-              <a:rPr lang="fr-FR" dirty="0" err="1"/>
-              <a:t>digitalWrite</a:t>
-            </a:r>
-            <a:r>
-              <a:rPr lang="fr-FR" dirty="0"/>
-              <a:t>(8, HIGH)</a:t>
-            </a:r>
-          </a:p>
-          <a:p>
-            <a:pPr lvl="1"/>
-            <a:r>
-              <a:rPr lang="fr-FR" dirty="0"/>
-              <a:t>Envoie 5V sur le port numérique 8</a:t>
-            </a:r>
-          </a:p>
-          <a:p>
-            <a:pPr lvl="1"/>
-            <a:r>
-              <a:rPr lang="fr-FR" dirty="0"/>
-              <a:t>Identique à </a:t>
-            </a:r>
-            <a:r>
-              <a:rPr lang="fr-FR" dirty="0" err="1"/>
-              <a:t>digitalWrite</a:t>
-            </a:r>
-            <a:r>
-              <a:rPr lang="fr-FR" dirty="0"/>
-              <a:t>(8, 1)</a:t>
-            </a:r>
-          </a:p>
-          <a:p>
-            <a:r>
-              <a:rPr lang="fr-FR" dirty="0" err="1"/>
-              <a:t>digitalWrite</a:t>
-            </a:r>
-            <a:r>
-              <a:rPr lang="fr-FR" dirty="0"/>
-              <a:t>(8, LOW)</a:t>
-            </a:r>
-          </a:p>
-          <a:p>
-            <a:pPr lvl="1"/>
-            <a:r>
-              <a:rPr lang="fr-FR" dirty="0"/>
-              <a:t>Envoie 0V sur le port numérique 8</a:t>
-            </a:r>
-          </a:p>
-          <a:p>
-            <a:pPr lvl="1"/>
-            <a:r>
-              <a:rPr lang="fr-FR" dirty="0"/>
-              <a:t>Identique à </a:t>
-            </a:r>
-            <a:r>
-              <a:rPr lang="fr-FR" dirty="0" err="1"/>
-              <a:t>digitalWrite</a:t>
-            </a:r>
-            <a:r>
-              <a:rPr lang="fr-FR" dirty="0"/>
-              <a:t>(8, 0)</a:t>
-            </a:r>
-          </a:p>
-          <a:p>
-            <a:pPr marL="0" indent="0">
-              <a:buNone/>
-            </a:pPr>
-            <a:endParaRPr lang="fr-FR" dirty="0"/>
-          </a:p>
-          <a:p>
-            <a:pPr lvl="1"/>
-            <a:endParaRPr lang="fr-FR" dirty="0"/>
-          </a:p>
-        </p:txBody>
-      </p:sp>
-    </p:spTree>
-    <p:extLst>
-      <p:ext uri="{BB962C8B-B14F-4D97-AF65-F5344CB8AC3E}">
-        <p14:creationId xmlns:p14="http://schemas.microsoft.com/office/powerpoint/2010/main" val="23867717"/>
-      </p:ext>
-    </p:extLst>
-  </p:cSld>
-  <p:clrMapOvr>
-    <a:masterClrMapping/>
-  </p:clrMapOvr>
-</p:sld>
-</file>
-
 <file path=ppt/slides/slide14.xml><?xml version="1.0" encoding="utf-8"?>
 <p:sld xmlns:a="http://schemas.openxmlformats.org/drawingml/2006/main" xmlns:r="http://schemas.openxmlformats.org/officeDocument/2006/relationships" xmlns:p="http://schemas.openxmlformats.org/presentationml/2006/main">
   <p:cSld>
@@ -4312,137 +4336,6 @@
       </p:grpSpPr>
       <p:sp>
         <p:nvSpPr>
-          <p:cNvPr id="2" name="Titre 1">
-            <a:extLst>
-              <a:ext uri="{FF2B5EF4-FFF2-40B4-BE49-F238E27FC236}">
-                <a16:creationId xmlns:a16="http://schemas.microsoft.com/office/drawing/2014/main" id="{469CF295-EF66-EAC2-E4B6-BCD3CEB8FB1C}"/>
-              </a:ext>
-            </a:extLst>
-          </p:cNvPr>
-          <p:cNvSpPr>
-            <a:spLocks noGrp="1"/>
-          </p:cNvSpPr>
-          <p:nvPr>
-            <p:ph type="title"/>
-          </p:nvPr>
-        </p:nvSpPr>
-        <p:spPr/>
-        <p:txBody>
-          <a:bodyPr/>
-          <a:lstStyle/>
-          <a:p>
-            <a:r>
-              <a:rPr lang="fr-FR" dirty="0" err="1"/>
-              <a:t>Led</a:t>
-            </a:r>
-            <a:endParaRPr lang="fr-FR" dirty="0"/>
-          </a:p>
-        </p:txBody>
-      </p:sp>
-      <p:sp>
-        <p:nvSpPr>
-          <p:cNvPr id="3" name="Espace réservé du contenu 2">
-            <a:extLst>
-              <a:ext uri="{FF2B5EF4-FFF2-40B4-BE49-F238E27FC236}">
-                <a16:creationId xmlns:a16="http://schemas.microsoft.com/office/drawing/2014/main" id="{7CAA9832-B5DE-63AB-EA1E-E7E89BA41443}"/>
-              </a:ext>
-            </a:extLst>
-          </p:cNvPr>
-          <p:cNvSpPr>
-            <a:spLocks noGrp="1"/>
-          </p:cNvSpPr>
-          <p:nvPr>
-            <p:ph idx="1"/>
-          </p:nvPr>
-        </p:nvSpPr>
-        <p:spPr/>
-        <p:txBody>
-          <a:bodyPr/>
-          <a:lstStyle/>
-          <a:p>
-            <a:endParaRPr lang="fr-FR"/>
-          </a:p>
-        </p:txBody>
-      </p:sp>
-      <p:pic>
-        <p:nvPicPr>
-          <p:cNvPr id="2050" name="Picture 2" descr="Blink | Arduino Documentation">
-            <a:extLst>
-              <a:ext uri="{FF2B5EF4-FFF2-40B4-BE49-F238E27FC236}">
-                <a16:creationId xmlns:a16="http://schemas.microsoft.com/office/drawing/2014/main" id="{ADA786A0-6D6E-B08F-4174-1DA5705EC517}"/>
-              </a:ext>
-            </a:extLst>
-          </p:cNvPr>
-          <p:cNvPicPr>
-            <a:picLocks noChangeAspect="1" noChangeArrowheads="1"/>
-          </p:cNvPicPr>
-          <p:nvPr/>
-        </p:nvPicPr>
-        <p:blipFill>
-          <a:blip r:embed="rId2">
-            <a:extLst>
-              <a:ext uri="{28A0092B-C50C-407E-A947-70E740481C1C}">
-                <a14:useLocalDpi xmlns:a14="http://schemas.microsoft.com/office/drawing/2010/main" val="0"/>
-              </a:ext>
-            </a:extLst>
-          </a:blip>
-          <a:srcRect/>
-          <a:stretch>
-            <a:fillRect/>
-          </a:stretch>
-        </p:blipFill>
-        <p:spPr bwMode="auto">
-          <a:xfrm>
-            <a:off x="179512" y="955690"/>
-            <a:ext cx="8964488" cy="5047697"/>
-          </a:xfrm>
-          <a:prstGeom prst="rect">
-            <a:avLst/>
-          </a:prstGeom>
-          <a:noFill/>
-          <a:extLst>
-            <a:ext uri="{909E8E84-426E-40DD-AFC4-6F175D3DCCD1}">
-              <a14:hiddenFill xmlns:a14="http://schemas.microsoft.com/office/drawing/2010/main">
-                <a:solidFill>
-                  <a:srgbClr val="FFFFFF"/>
-                </a:solidFill>
-              </a14:hiddenFill>
-            </a:ext>
-          </a:extLst>
-        </p:spPr>
-      </p:pic>
-    </p:spTree>
-    <p:extLst>
-      <p:ext uri="{BB962C8B-B14F-4D97-AF65-F5344CB8AC3E}">
-        <p14:creationId xmlns:p14="http://schemas.microsoft.com/office/powerpoint/2010/main" val="258778225"/>
-      </p:ext>
-    </p:extLst>
-  </p:cSld>
-  <p:clrMapOvr>
-    <a:masterClrMapping/>
-  </p:clrMapOvr>
-</p:sld>
-</file>
-
-<file path=ppt/slides/slide15.xml><?xml version="1.0" encoding="utf-8"?>
-<p:sld xmlns:a="http://schemas.openxmlformats.org/drawingml/2006/main" xmlns:r="http://schemas.openxmlformats.org/officeDocument/2006/relationships" xmlns:p="http://schemas.openxmlformats.org/presentationml/2006/main">
-  <p:cSld>
-    <p:spTree>
-      <p:nvGrpSpPr>
-        <p:cNvPr id="1" name=""/>
-        <p:cNvGrpSpPr/>
-        <p:nvPr/>
-      </p:nvGrpSpPr>
-      <p:grpSpPr>
-        <a:xfrm>
-          <a:off x="0" y="0"/>
-          <a:ext cx="0" cy="0"/>
-          <a:chOff x="0" y="0"/>
-          <a:chExt cx="0" cy="0"/>
-        </a:xfrm>
-      </p:grpSpPr>
-      <p:sp>
-        <p:nvSpPr>
           <p:cNvPr id="2" name="Titre 1"/>
           <p:cNvSpPr>
             <a:spLocks noGrp="1"/>
@@ -4525,7 +4418,7 @@
 </p:sld>
 </file>
 
-<file path=ppt/slides/slide16.xml><?xml version="1.0" encoding="utf-8"?>
+<file path=ppt/slides/slide15.xml><?xml version="1.0" encoding="utf-8"?>
 <p:sld xmlns:a="http://schemas.openxmlformats.org/drawingml/2006/main" xmlns:r="http://schemas.openxmlformats.org/officeDocument/2006/relationships" xmlns:p="http://schemas.openxmlformats.org/presentationml/2006/main">
   <p:cSld>
     <p:spTree>
@@ -4646,7 +4539,7 @@
 </p:sld>
 </file>
 
-<file path=ppt/slides/slide17.xml><?xml version="1.0" encoding="utf-8"?>
+<file path=ppt/slides/slide16.xml><?xml version="1.0" encoding="utf-8"?>
 <p:sld xmlns:a="http://schemas.openxmlformats.org/drawingml/2006/main" xmlns:r="http://schemas.openxmlformats.org/officeDocument/2006/relationships" xmlns:p="http://schemas.openxmlformats.org/presentationml/2006/main">
   <p:cSld>
     <p:spTree>
@@ -4753,7 +4646,7 @@
 </p:sld>
 </file>
 
-<file path=ppt/slides/slide18.xml><?xml version="1.0" encoding="utf-8"?>
+<file path=ppt/slides/slide17.xml><?xml version="1.0" encoding="utf-8"?>
 <p:sld xmlns:a="http://schemas.openxmlformats.org/drawingml/2006/main" xmlns:r="http://schemas.openxmlformats.org/officeDocument/2006/relationships" xmlns:p="http://schemas.openxmlformats.org/presentationml/2006/main">
   <p:cSld>
     <p:spTree>
@@ -4887,7 +4780,7 @@
 </p:sld>
 </file>
 
-<file path=ppt/slides/slide19.xml><?xml version="1.0" encoding="utf-8"?>
+<file path=ppt/slides/slide18.xml><?xml version="1.0" encoding="utf-8"?>
 <p:sld xmlns:a="http://schemas.openxmlformats.org/drawingml/2006/main" xmlns:r="http://schemas.openxmlformats.org/officeDocument/2006/relationships" xmlns:p="http://schemas.openxmlformats.org/presentationml/2006/main">
   <p:cSld>
     <p:spTree>
@@ -5056,6 +4949,145 @@
 </p:sld>
 </file>
 
+<file path=ppt/slides/slide19.xml><?xml version="1.0" encoding="utf-8"?>
+<p:sld xmlns:a="http://schemas.openxmlformats.org/drawingml/2006/main" xmlns:r="http://schemas.openxmlformats.org/officeDocument/2006/relationships" xmlns:p="http://schemas.openxmlformats.org/presentationml/2006/main">
+  <p:cSld>
+    <p:spTree>
+      <p:nvGrpSpPr>
+        <p:cNvPr id="1" name=""/>
+        <p:cNvGrpSpPr/>
+        <p:nvPr/>
+      </p:nvGrpSpPr>
+      <p:grpSpPr>
+        <a:xfrm>
+          <a:off x="0" y="0"/>
+          <a:ext cx="0" cy="0"/>
+          <a:chOff x="0" y="0"/>
+          <a:chExt cx="0" cy="0"/>
+        </a:xfrm>
+      </p:grpSpPr>
+      <p:sp>
+        <p:nvSpPr>
+          <p:cNvPr id="2" name="Titre 1"/>
+          <p:cNvSpPr>
+            <a:spLocks noGrp="1"/>
+          </p:cNvSpPr>
+          <p:nvPr>
+            <p:ph type="title"/>
+          </p:nvPr>
+        </p:nvSpPr>
+        <p:spPr/>
+        <p:txBody>
+          <a:bodyPr/>
+          <a:lstStyle/>
+          <a:p>
+            <a:r>
+              <a:rPr lang="fr-FR" dirty="0"/>
+              <a:t>Lecture Analogique</a:t>
+            </a:r>
+          </a:p>
+        </p:txBody>
+      </p:sp>
+      <p:sp>
+        <p:nvSpPr>
+          <p:cNvPr id="3" name="Espace réservé du contenu 2"/>
+          <p:cNvSpPr>
+            <a:spLocks noGrp="1"/>
+          </p:cNvSpPr>
+          <p:nvPr>
+            <p:ph idx="1"/>
+          </p:nvPr>
+        </p:nvSpPr>
+        <p:spPr/>
+        <p:txBody>
+          <a:bodyPr/>
+          <a:lstStyle/>
+          <a:p>
+            <a:r>
+              <a:rPr lang="fr-FR" dirty="0"/>
+              <a:t>Les ports analogiques permettent de lire et écrire dans un range 10 bits</a:t>
+            </a:r>
+          </a:p>
+          <a:p>
+            <a:pPr lvl="1"/>
+            <a:r>
+              <a:rPr lang="fr-FR" dirty="0"/>
+              <a:t>Par exemple le potentiomètre</a:t>
+            </a:r>
+          </a:p>
+          <a:p>
+            <a:pPr lvl="1"/>
+            <a:r>
+              <a:rPr lang="fr-FR" dirty="0"/>
+              <a:t>0 =&gt; 0°, 1023 =&gt; 300°, 512 =&gt; 150°</a:t>
+            </a:r>
+          </a:p>
+          <a:p>
+            <a:r>
+              <a:rPr lang="fr-FR" dirty="0"/>
+              <a:t>Le problème de la conversion se pose alors</a:t>
+            </a:r>
+          </a:p>
+          <a:p>
+            <a:pPr lvl="1"/>
+            <a:r>
+              <a:rPr lang="fr-FR" dirty="0"/>
+              <a:t>Les capteurs ont souvent une conversion linéaire</a:t>
+            </a:r>
+          </a:p>
+          <a:p>
+            <a:pPr lvl="1"/>
+            <a:r>
+              <a:rPr lang="fr-FR" dirty="0"/>
+              <a:t>Par exemple la température est sur 9 bits</a:t>
+            </a:r>
+          </a:p>
+          <a:p>
+            <a:r>
+              <a:rPr lang="fr-FR" dirty="0" err="1"/>
+              <a:t>AnalogRead</a:t>
+            </a:r>
+            <a:r>
+              <a:rPr lang="fr-FR" dirty="0"/>
+              <a:t>(A0)</a:t>
+            </a:r>
+          </a:p>
+          <a:p>
+            <a:pPr lvl="1"/>
+            <a:r>
+              <a:rPr lang="fr-FR" dirty="0"/>
+              <a:t>Lit une donnée analogique sur le pin analogique 0</a:t>
+            </a:r>
+          </a:p>
+          <a:p>
+            <a:endParaRPr lang="fr-FR" dirty="0"/>
+          </a:p>
+          <a:p>
+            <a:pPr lvl="1"/>
+            <a:endParaRPr lang="fr-FR" dirty="0"/>
+          </a:p>
+          <a:p>
+            <a:pPr lvl="1"/>
+            <a:endParaRPr lang="fr-FR" dirty="0"/>
+          </a:p>
+          <a:p>
+            <a:endParaRPr lang="fr-FR" dirty="0"/>
+          </a:p>
+        </p:txBody>
+      </p:sp>
+    </p:spTree>
+    <p:extLst>
+      <p:ext uri="{BB962C8B-B14F-4D97-AF65-F5344CB8AC3E}">
+        <p14:creationId xmlns:p14="http://schemas.microsoft.com/office/powerpoint/2010/main" val="2182299302"/>
+      </p:ext>
+    </p:extLst>
+  </p:cSld>
+  <p:clrMapOvr>
+    <a:masterClrMapping/>
+  </p:clrMapOvr>
+</p:sld>
+</file>
+
 <file path=ppt/slides/slide2.xml><?xml version="1.0" encoding="utf-8"?>
 <p:sld xmlns:a="http://schemas.openxmlformats.org/drawingml/2006/main" xmlns:r="http://schemas.openxmlformats.org/officeDocument/2006/relationships" xmlns:p="http://schemas.openxmlformats.org/presentationml/2006/main">
   <p:cSld>
@@ -5208,163 +5240,6 @@
           <a:p>
             <a:r>
               <a:rPr lang="fr-FR" dirty="0"/>
-              <a:t>Lecture Analogique</a:t>
-            </a:r>
-          </a:p>
-        </p:txBody>
-      </p:sp>
-      <p:sp>
-        <p:nvSpPr>
-          <p:cNvPr id="3" name="Espace réservé du contenu 2"/>
-          <p:cNvSpPr>
-            <a:spLocks noGrp="1"/>
-          </p:cNvSpPr>
-          <p:nvPr>
-            <p:ph idx="1"/>
-          </p:nvPr>
-        </p:nvSpPr>
-        <p:spPr/>
-        <p:txBody>
-          <a:bodyPr/>
-          <a:lstStyle/>
-          <a:p>
-            <a:r>
-              <a:rPr lang="fr-FR" dirty="0"/>
-              <a:t>Les ports analogiques permettent de lire et écrire dans un range 10 bits</a:t>
-            </a:r>
-          </a:p>
-          <a:p>
-            <a:pPr lvl="1"/>
-            <a:r>
-              <a:rPr lang="fr-FR" dirty="0"/>
-              <a:t>Par exemple le potentiomètre</a:t>
-            </a:r>
-          </a:p>
-          <a:p>
-            <a:pPr lvl="1"/>
-            <a:r>
-              <a:rPr lang="fr-FR" dirty="0"/>
-              <a:t>0 =&gt; 0°, 1023 =&gt; 300°, 512 =&gt; 150°</a:t>
-            </a:r>
-          </a:p>
-          <a:p>
-            <a:r>
-              <a:rPr lang="fr-FR" dirty="0"/>
-              <a:t>Le problème de la conversion se pose alors</a:t>
-            </a:r>
-          </a:p>
-          <a:p>
-            <a:pPr lvl="1"/>
-            <a:r>
-              <a:rPr lang="fr-FR" dirty="0"/>
-              <a:t>Les capteurs ont souvent une conversion linéaire</a:t>
-            </a:r>
-          </a:p>
-          <a:p>
-            <a:pPr lvl="1"/>
-            <a:r>
-              <a:rPr lang="fr-FR" dirty="0"/>
-              <a:t>Par exemple la température est sur 9 bits</a:t>
-            </a:r>
-          </a:p>
-          <a:p>
-            <a:r>
-              <a:rPr lang="fr-FR" dirty="0" err="1"/>
-              <a:t>AnalogRead</a:t>
-            </a:r>
-            <a:r>
-              <a:rPr lang="fr-FR" dirty="0"/>
-              <a:t>(A0)</a:t>
-            </a:r>
-          </a:p>
-          <a:p>
-            <a:pPr lvl="1"/>
-            <a:r>
-              <a:rPr lang="fr-FR" dirty="0"/>
-              <a:t>Lit une donnée analogique sur le pin analogique 0</a:t>
-            </a:r>
-          </a:p>
-          <a:p>
-            <a:pPr lvl="1"/>
-            <a:r>
-              <a:rPr lang="fr-FR" dirty="0" err="1"/>
-              <a:t>AnalogWrite</a:t>
-            </a:r>
-            <a:r>
-              <a:rPr lang="fr-FR" dirty="0"/>
-              <a:t>(A1) : non compatible UNO</a:t>
-            </a:r>
-          </a:p>
-          <a:p>
-            <a:pPr lvl="1"/>
-            <a:r>
-              <a:rPr lang="fr-FR" dirty="0"/>
-              <a:t>Ecrit une donnée analogique sur le pin analogique 1</a:t>
-            </a:r>
-          </a:p>
-          <a:p>
-            <a:endParaRPr lang="fr-FR" dirty="0"/>
-          </a:p>
-          <a:p>
-            <a:pPr lvl="1"/>
-            <a:endParaRPr lang="fr-FR" dirty="0"/>
-          </a:p>
-          <a:p>
-            <a:pPr lvl="1"/>
-            <a:endParaRPr lang="fr-FR" dirty="0"/>
-          </a:p>
-          <a:p>
-            <a:endParaRPr lang="fr-FR" dirty="0"/>
-          </a:p>
-        </p:txBody>
-      </p:sp>
-    </p:spTree>
-    <p:extLst>
-      <p:ext uri="{BB962C8B-B14F-4D97-AF65-F5344CB8AC3E}">
-        <p14:creationId xmlns:p14="http://schemas.microsoft.com/office/powerpoint/2010/main" val="2182299302"/>
-      </p:ext>
-    </p:extLst>
-  </p:cSld>
-  <p:clrMapOvr>
-    <a:masterClrMapping/>
-  </p:clrMapOvr>
-</p:sld>
-</file>
-
-<file path=ppt/slides/slide21.xml><?xml version="1.0" encoding="utf-8"?>
-<p:sld xmlns:a="http://schemas.openxmlformats.org/drawingml/2006/main" xmlns:r="http://schemas.openxmlformats.org/officeDocument/2006/relationships" xmlns:p="http://schemas.openxmlformats.org/presentationml/2006/main">
-  <p:cSld>
-    <p:spTree>
-      <p:nvGrpSpPr>
-        <p:cNvPr id="1" name=""/>
-        <p:cNvGrpSpPr/>
-        <p:nvPr/>
-      </p:nvGrpSpPr>
-      <p:grpSpPr>
-        <a:xfrm>
-          <a:off x="0" y="0"/>
-          <a:ext cx="0" cy="0"/>
-          <a:chOff x="0" y="0"/>
-          <a:chExt cx="0" cy="0"/>
-        </a:xfrm>
-      </p:grpSpPr>
-      <p:sp>
-        <p:nvSpPr>
-          <p:cNvPr id="2" name="Titre 1"/>
-          <p:cNvSpPr>
-            <a:spLocks noGrp="1"/>
-          </p:cNvSpPr>
-          <p:nvPr>
-            <p:ph type="title"/>
-          </p:nvPr>
-        </p:nvSpPr>
-        <p:spPr/>
-        <p:txBody>
-          <a:bodyPr/>
-          <a:lstStyle/>
-          <a:p>
-            <a:r>
-              <a:rPr lang="fr-FR" dirty="0"/>
               <a:t>Le capteur de température</a:t>
             </a:r>
           </a:p>
@@ -5423,28 +5298,13 @@
             </a:r>
           </a:p>
           <a:p>
-            <a:pPr lvl="1"/>
-            <a:r>
-              <a:rPr lang="fr-FR" sz="2000" dirty="0" err="1"/>
-              <a:t>Serial.print</a:t>
-            </a:r>
-            <a:r>
-              <a:rPr lang="fr-FR" sz="2000" dirty="0"/>
-              <a:t>("</a:t>
-            </a:r>
-            <a:r>
-              <a:rPr lang="fr-FR" sz="2000" dirty="0" err="1"/>
-              <a:t>Analog</a:t>
-            </a:r>
-            <a:r>
-              <a:rPr lang="fr-FR" sz="2000" dirty="0"/>
-              <a:t> =");</a:t>
-            </a:r>
-          </a:p>
-          <a:p>
+            <a:r>
+              <a:rPr lang="fr-FR" sz="2400"/>
+              <a:t>Pour </a:t>
+            </a:r>
             <a:r>
               <a:rPr lang="fr-FR" sz="2400" dirty="0"/>
-              <a:t>Pour convertir la tension en température (K°) une conversion linéaire est disponible</a:t>
+              <a:t>convertir la tension en température (K°) une conversion linéaire est disponible</a:t>
             </a:r>
           </a:p>
           <a:p>
@@ -5518,7 +5378,7 @@
 </p:sld>
 </file>
 
-<file path=ppt/slides/slide22.xml><?xml version="1.0" encoding="utf-8"?>
+<file path=ppt/slides/slide21.xml><?xml version="1.0" encoding="utf-8"?>
 <p:sld xmlns:a="http://schemas.openxmlformats.org/drawingml/2006/main" xmlns:r="http://schemas.openxmlformats.org/officeDocument/2006/relationships" xmlns:p="http://schemas.openxmlformats.org/presentationml/2006/main">
   <p:cSld>
     <p:spTree>
@@ -5648,7 +5508,7 @@
 </p:sld>
 </file>
 
-<file path=ppt/slides/slide23.xml><?xml version="1.0" encoding="utf-8"?>
+<file path=ppt/slides/slide22.xml><?xml version="1.0" encoding="utf-8"?>
 <p:sld xmlns:a="http://schemas.openxmlformats.org/drawingml/2006/main" xmlns:r="http://schemas.openxmlformats.org/officeDocument/2006/relationships" xmlns:p="http://schemas.openxmlformats.org/presentationml/2006/main">
   <p:cSld>
     <p:spTree>
@@ -5835,7 +5695,7 @@
 </p:sld>
 </file>
 
-<file path=ppt/slides/slide24.xml><?xml version="1.0" encoding="utf-8"?>
+<file path=ppt/slides/slide23.xml><?xml version="1.0" encoding="utf-8"?>
 <p:sld xmlns:a="http://schemas.openxmlformats.org/drawingml/2006/main" xmlns:r="http://schemas.openxmlformats.org/officeDocument/2006/relationships" xmlns:p="http://schemas.openxmlformats.org/presentationml/2006/main">
   <p:cSld>
     <p:spTree>
@@ -5978,7 +5838,7 @@
 </p:sld>
 </file>
 
-<file path=ppt/slides/slide25.xml><?xml version="1.0" encoding="utf-8"?>
+<file path=ppt/slides/slide24.xml><?xml version="1.0" encoding="utf-8"?>
 <p:sld xmlns:a="http://schemas.openxmlformats.org/drawingml/2006/main" xmlns:r="http://schemas.openxmlformats.org/officeDocument/2006/relationships" xmlns:p="http://schemas.openxmlformats.org/presentationml/2006/main">
   <p:cSld>
     <p:spTree>
@@ -6156,7 +6016,7 @@
 </p:sld>
 </file>
 
-<file path=ppt/slides/slide26.xml><?xml version="1.0" encoding="utf-8"?>
+<file path=ppt/slides/slide25.xml><?xml version="1.0" encoding="utf-8"?>
 <p:sld xmlns:a="http://schemas.openxmlformats.org/drawingml/2006/main" xmlns:r="http://schemas.openxmlformats.org/officeDocument/2006/relationships" xmlns:p="http://schemas.openxmlformats.org/presentationml/2006/main">
   <p:cSld>
     <p:spTree>
@@ -6291,7 +6151,7 @@
 </p:sld>
 </file>
 
-<file path=ppt/slides/slide27.xml><?xml version="1.0" encoding="utf-8"?>
+<file path=ppt/slides/slide26.xml><?xml version="1.0" encoding="utf-8"?>
 <p:sld xmlns:a="http://schemas.openxmlformats.org/drawingml/2006/main" xmlns:r="http://schemas.openxmlformats.org/officeDocument/2006/relationships" xmlns:p="http://schemas.openxmlformats.org/presentationml/2006/main">
   <p:cSld>
     <p:spTree>
@@ -6490,7 +6350,7 @@
 </p:sld>
 </file>
 
-<file path=ppt/slides/slide28.xml><?xml version="1.0" encoding="utf-8"?>
+<file path=ppt/slides/slide27.xml><?xml version="1.0" encoding="utf-8"?>
 <p:sld xmlns:a="http://schemas.openxmlformats.org/drawingml/2006/main" xmlns:r="http://schemas.openxmlformats.org/officeDocument/2006/relationships" xmlns:p="http://schemas.openxmlformats.org/presentationml/2006/main">
   <p:cSld>
     <p:spTree>

--- a/ppt/IoT05-ArduinoDev.pptx
+++ b/ppt/IoT05-ArduinoDev.pptx
@@ -6717,8 +6717,8 @@
         </p:blipFill>
         <p:spPr>
           <a:xfrm>
-            <a:off x="4644008" y="2060848"/>
-            <a:ext cx="4530663" cy="4352699"/>
+            <a:off x="3707904" y="2564904"/>
+            <a:ext cx="3961868" cy="3600838"/>
           </a:xfrm>
           <a:prstGeom prst="rect">
             <a:avLst/>
